--- a/fuentes/contenidos/grado10/guion05/MapaConceptualMA_10_05_CO.pptx
+++ b/fuentes/contenidos/grado10/guion05/MapaConceptualMA_10_05_CO.pptx
@@ -394,7 +394,7 @@
           <a:p>
             <a:fld id="{5001C876-01F7-4317-94B9-1AE222133113}" type="datetimeFigureOut">
               <a:rPr lang="es-ES" smtClean="0"/>
-              <a:t>27/07/2016</a:t>
+              <a:t>04/08/2016</a:t>
             </a:fld>
             <a:endParaRPr lang="es-ES"/>
           </a:p>
@@ -945,8 +945,8 @@
         </p:nvSpPr>
         <p:spPr>
           <a:xfrm>
-            <a:off x="1911731" y="78445"/>
-            <a:ext cx="5679731" cy="352691"/>
+            <a:off x="2307788" y="78445"/>
+            <a:ext cx="3641113" cy="352691"/>
           </a:xfrm>
           <a:prstGeom prst="rect">
             <a:avLst/>
@@ -984,7 +984,14 @@
                 <a:latin typeface="Arial" panose="020B0604020202020204" pitchFamily="34" charset="0"/>
                 <a:cs typeface="Arial" panose="020B0604020202020204" pitchFamily="34" charset="0"/>
               </a:rPr>
-              <a:t>Geometría analítica</a:t>
+              <a:t>La geometría </a:t>
+            </a:r>
+            <a:r>
+              <a:rPr lang="es-ES" sz="1600" dirty="0" smtClean="0">
+                <a:latin typeface="Arial" panose="020B0604020202020204" pitchFamily="34" charset="0"/>
+                <a:cs typeface="Arial" panose="020B0604020202020204" pitchFamily="34" charset="0"/>
+              </a:rPr>
+              <a:t>analítica</a:t>
             </a:r>
             <a:endParaRPr lang="es-ES" sz="1600" dirty="0">
               <a:latin typeface="Arial" panose="020B0604020202020204" pitchFamily="34" charset="0"/>
@@ -1004,8 +1011,8 @@
         </p:nvCxnSpPr>
         <p:spPr>
           <a:xfrm rot="5400000">
-            <a:off x="3294971" y="-772624"/>
-            <a:ext cx="252866" cy="2660387"/>
+            <a:off x="2784840" y="-640347"/>
+            <a:ext cx="272023" cy="2414989"/>
           </a:xfrm>
           <a:prstGeom prst="bentConnector3">
             <a:avLst>
@@ -1037,20 +1044,17 @@
         <p:nvCxnSpPr>
           <p:cNvPr id="336" name="Conector angular 335"/>
           <p:cNvCxnSpPr>
-            <a:stCxn id="4" idx="2"/>
             <a:endCxn id="163" idx="0"/>
           </p:cNvCxnSpPr>
           <p:nvPr/>
         </p:nvCxnSpPr>
         <p:spPr>
-          <a:xfrm rot="16200000" flipH="1">
-            <a:off x="5240866" y="-58133"/>
-            <a:ext cx="261385" cy="1239922"/>
-          </a:xfrm>
-          <a:prstGeom prst="bentConnector3">
-            <a:avLst>
-              <a:gd name="adj1" fmla="val 50000"/>
-            </a:avLst>
+          <a:xfrm>
+            <a:off x="4128344" y="567147"/>
+            <a:ext cx="2851489" cy="124936"/>
+          </a:xfrm>
+          <a:prstGeom prst="bentConnector2">
+            <a:avLst/>
           </a:prstGeom>
           <a:ln w="12700">
             <a:solidFill>
@@ -1081,7 +1085,7 @@
         </p:nvSpPr>
         <p:spPr>
           <a:xfrm>
-            <a:off x="5389383" y="1492265"/>
+            <a:off x="5008564" y="1658001"/>
             <a:ext cx="1122431" cy="230832"/>
           </a:xfrm>
           <a:prstGeom prst="rect">
@@ -1118,7 +1122,7 @@
         </p:nvSpPr>
         <p:spPr>
           <a:xfrm>
-            <a:off x="5371558" y="1004781"/>
+            <a:off x="6367685" y="1025562"/>
             <a:ext cx="1242580" cy="403291"/>
           </a:xfrm>
           <a:prstGeom prst="rect">
@@ -1181,7 +1185,7 @@
         </p:nvSpPr>
         <p:spPr>
           <a:xfrm>
-            <a:off x="5648023" y="692521"/>
+            <a:off x="6636337" y="692083"/>
             <a:ext cx="686992" cy="230832"/>
           </a:xfrm>
           <a:prstGeom prst="rect">
@@ -1218,7 +1222,7 @@
         </p:nvSpPr>
         <p:spPr>
           <a:xfrm>
-            <a:off x="5404961" y="2479855"/>
+            <a:off x="5008564" y="2601898"/>
             <a:ext cx="1122431" cy="215444"/>
           </a:xfrm>
           <a:prstGeom prst="rect">
@@ -1258,8 +1262,8 @@
         </p:nvCxnSpPr>
         <p:spPr>
           <a:xfrm rot="5400000">
-            <a:off x="5929628" y="1429044"/>
-            <a:ext cx="84193" cy="42249"/>
+            <a:off x="6164804" y="833830"/>
+            <a:ext cx="229148" cy="1419195"/>
           </a:xfrm>
           <a:prstGeom prst="bentConnector3">
             <a:avLst>
@@ -1295,7 +1299,7 @@
         </p:nvSpPr>
         <p:spPr>
           <a:xfrm>
-            <a:off x="3724494" y="3107619"/>
+            <a:off x="3118391" y="3224513"/>
             <a:ext cx="1042706" cy="199530"/>
           </a:xfrm>
           <a:prstGeom prst="rect">
@@ -1354,20 +1358,17 @@
       <p:cxnSp>
         <p:nvCxnSpPr>
           <p:cNvPr id="369" name="Conector angular 368"/>
-          <p:cNvCxnSpPr>
-            <a:stCxn id="163" idx="2"/>
-            <a:endCxn id="162" idx="0"/>
-          </p:cNvCxnSpPr>
+          <p:cNvCxnSpPr/>
           <p:nvPr/>
         </p:nvCxnSpPr>
         <p:spPr>
           <a:xfrm rot="16200000" flipH="1">
-            <a:off x="5951469" y="963402"/>
-            <a:ext cx="81428" cy="1329"/>
+            <a:off x="6937652" y="959982"/>
+            <a:ext cx="102647" cy="9142"/>
           </a:xfrm>
           <a:prstGeom prst="bentConnector3">
             <a:avLst>
-              <a:gd name="adj1" fmla="val 50000"/>
+              <a:gd name="adj1" fmla="val 106971"/>
             </a:avLst>
           </a:prstGeom>
           <a:ln w="12700">
@@ -1402,12 +1403,12 @@
         </p:nvCxnSpPr>
         <p:spPr>
           <a:xfrm rot="5400000">
-            <a:off x="4899852" y="2041294"/>
-            <a:ext cx="412320" cy="1720330"/>
+            <a:off x="4401177" y="2055909"/>
+            <a:ext cx="407171" cy="1930036"/>
           </a:xfrm>
           <a:prstGeom prst="bentConnector3">
             <a:avLst>
-              <a:gd name="adj1" fmla="val 50000"/>
+              <a:gd name="adj1" fmla="val 80031"/>
             </a:avLst>
           </a:prstGeom>
           <a:ln w="12700">
@@ -1441,9 +1442,9 @@
           <p:nvPr/>
         </p:nvCxnSpPr>
         <p:spPr>
-          <a:xfrm rot="16200000" flipH="1">
-            <a:off x="5905989" y="1767707"/>
-            <a:ext cx="93687" cy="4466"/>
+          <a:xfrm rot="5400000">
+            <a:off x="5508317" y="1950296"/>
+            <a:ext cx="122926" cy="1"/>
           </a:xfrm>
           <a:prstGeom prst="bentConnector3">
             <a:avLst>
@@ -1479,8 +1480,8 @@
         </p:nvSpPr>
         <p:spPr>
           <a:xfrm>
-            <a:off x="1536448" y="954040"/>
-            <a:ext cx="1124746" cy="486048"/>
+            <a:off x="861801" y="1028663"/>
+            <a:ext cx="1703108" cy="530694"/>
           </a:xfrm>
           <a:prstGeom prst="rect">
             <a:avLst/>
@@ -1525,7 +1526,35 @@
                 <a:latin typeface="Arial" panose="020B0604020202020204" pitchFamily="34" charset="0"/>
                 <a:cs typeface="Arial" panose="020B0604020202020204" pitchFamily="34" charset="0"/>
               </a:rPr>
-              <a:t>La Geometría integrada con el Álgebra  </a:t>
+              <a:t>La </a:t>
+            </a:r>
+            <a:r>
+              <a:rPr lang="es-ES" sz="1050" b="1" dirty="0" smtClean="0">
+                <a:latin typeface="Arial" panose="020B0604020202020204" pitchFamily="34" charset="0"/>
+                <a:cs typeface="Arial" panose="020B0604020202020204" pitchFamily="34" charset="0"/>
+              </a:rPr>
+              <a:t>geometría </a:t>
+            </a:r>
+            <a:r>
+              <a:rPr lang="es-ES" sz="1050" b="1" dirty="0" smtClean="0">
+                <a:latin typeface="Arial" panose="020B0604020202020204" pitchFamily="34" charset="0"/>
+                <a:cs typeface="Arial" panose="020B0604020202020204" pitchFamily="34" charset="0"/>
+              </a:rPr>
+              <a:t>integrada con el </a:t>
+            </a:r>
+            <a:r>
+              <a:rPr lang="es-ES" sz="1050" b="1" dirty="0">
+                <a:latin typeface="Arial" panose="020B0604020202020204" pitchFamily="34" charset="0"/>
+                <a:cs typeface="Arial" panose="020B0604020202020204" pitchFamily="34" charset="0"/>
+              </a:rPr>
+              <a:t>á</a:t>
+            </a:r>
+            <a:r>
+              <a:rPr lang="es-ES" sz="1050" b="1" dirty="0" smtClean="0">
+                <a:latin typeface="Arial" panose="020B0604020202020204" pitchFamily="34" charset="0"/>
+                <a:cs typeface="Arial" panose="020B0604020202020204" pitchFamily="34" charset="0"/>
+              </a:rPr>
+              <a:t>lgebra  </a:t>
             </a:r>
             <a:endParaRPr lang="es-ES" sz="1050" b="1" dirty="0">
               <a:latin typeface="Arial" panose="020B0604020202020204" pitchFamily="34" charset="0"/>
@@ -1542,7 +1571,7 @@
         </p:nvSpPr>
         <p:spPr>
           <a:xfrm>
-            <a:off x="1529994" y="1567697"/>
+            <a:off x="1106297" y="1658038"/>
             <a:ext cx="1122431" cy="215444"/>
           </a:xfrm>
           <a:prstGeom prst="rect">
@@ -1562,7 +1591,7 @@
                 <a:latin typeface="Arial" panose="020B0604020202020204" pitchFamily="34" charset="0"/>
                 <a:cs typeface="Arial" panose="020B0604020202020204" pitchFamily="34" charset="0"/>
               </a:rPr>
-              <a:t>permite</a:t>
+              <a:t>estudia</a:t>
             </a:r>
             <a:endParaRPr lang="es-ES" sz="800" dirty="0">
               <a:latin typeface="Arial" panose="020B0604020202020204" pitchFamily="34" charset="0"/>
@@ -1571,46 +1600,6 @@
           </a:p>
         </p:txBody>
       </p:sp>
-      <p:cxnSp>
-        <p:nvCxnSpPr>
-          <p:cNvPr id="113" name="Conector angular 112"/>
-          <p:cNvCxnSpPr>
-            <a:stCxn id="111" idx="2"/>
-            <a:endCxn id="112" idx="0"/>
-          </p:cNvCxnSpPr>
-          <p:nvPr/>
-        </p:nvCxnSpPr>
-        <p:spPr>
-          <a:xfrm rot="5400000">
-            <a:off x="2031212" y="1500087"/>
-            <a:ext cx="127609" cy="7611"/>
-          </a:xfrm>
-          <a:prstGeom prst="bentConnector3">
-            <a:avLst>
-              <a:gd name="adj1" fmla="val 50000"/>
-            </a:avLst>
-          </a:prstGeom>
-          <a:ln w="12700">
-            <a:solidFill>
-              <a:schemeClr val="tx1"/>
-            </a:solidFill>
-          </a:ln>
-        </p:spPr>
-        <p:style>
-          <a:lnRef idx="1">
-            <a:schemeClr val="accent1"/>
-          </a:lnRef>
-          <a:fillRef idx="0">
-            <a:schemeClr val="accent1"/>
-          </a:fillRef>
-          <a:effectRef idx="0">
-            <a:schemeClr val="accent1"/>
-          </a:effectRef>
-          <a:fontRef idx="minor">
-            <a:schemeClr val="tx1"/>
-          </a:fontRef>
-        </p:style>
-      </p:cxnSp>
       <p:sp>
         <p:nvSpPr>
           <p:cNvPr id="114" name="Rectángulo 113" descr="Nodo de segundo nivel" title="Nodo02"/>
@@ -1619,7 +1608,7 @@
         </p:nvSpPr>
         <p:spPr>
           <a:xfrm>
-            <a:off x="1532341" y="1879792"/>
+            <a:off x="1088819" y="2010053"/>
             <a:ext cx="1124746" cy="472289"/>
           </a:xfrm>
           <a:prstGeom prst="rect">
@@ -1675,46 +1664,6 @@
           </a:p>
         </p:txBody>
       </p:sp>
-      <p:cxnSp>
-        <p:nvCxnSpPr>
-          <p:cNvPr id="115" name="Conector angular 114"/>
-          <p:cNvCxnSpPr>
-            <a:stCxn id="112" idx="2"/>
-            <a:endCxn id="114" idx="0"/>
-          </p:cNvCxnSpPr>
-          <p:nvPr/>
-        </p:nvCxnSpPr>
-        <p:spPr>
-          <a:xfrm rot="16200000" flipH="1">
-            <a:off x="2044637" y="1829714"/>
-            <a:ext cx="96651" cy="3504"/>
-          </a:xfrm>
-          <a:prstGeom prst="bentConnector3">
-            <a:avLst>
-              <a:gd name="adj1" fmla="val 50000"/>
-            </a:avLst>
-          </a:prstGeom>
-          <a:ln w="12700">
-            <a:solidFill>
-              <a:schemeClr val="tx1"/>
-            </a:solidFill>
-          </a:ln>
-        </p:spPr>
-        <p:style>
-          <a:lnRef idx="1">
-            <a:schemeClr val="accent1"/>
-          </a:lnRef>
-          <a:fillRef idx="0">
-            <a:schemeClr val="accent1"/>
-          </a:fillRef>
-          <a:effectRef idx="0">
-            <a:schemeClr val="accent1"/>
-          </a:effectRef>
-          <a:fontRef idx="minor">
-            <a:schemeClr val="tx1"/>
-          </a:fontRef>
-        </p:style>
-      </p:cxnSp>
       <p:sp>
         <p:nvSpPr>
           <p:cNvPr id="116" name="CuadroTexto 115" descr="Conector entre nodos" title="conector"/>
@@ -1723,7 +1672,7 @@
         </p:nvSpPr>
         <p:spPr>
           <a:xfrm>
-            <a:off x="1535251" y="2380290"/>
+            <a:off x="1106297" y="2586286"/>
             <a:ext cx="1117174" cy="230836"/>
           </a:xfrm>
           <a:prstGeom prst="rect">
@@ -1755,16 +1704,13 @@
       <p:cxnSp>
         <p:nvCxnSpPr>
           <p:cNvPr id="117" name="Conector angular 116"/>
-          <p:cNvCxnSpPr>
-            <a:stCxn id="114" idx="2"/>
-            <a:endCxn id="116" idx="0"/>
-          </p:cNvCxnSpPr>
+          <p:cNvCxnSpPr/>
           <p:nvPr/>
         </p:nvCxnSpPr>
         <p:spPr>
-          <a:xfrm rot="5400000">
-            <a:off x="2080172" y="2365747"/>
-            <a:ext cx="28209" cy="876"/>
+          <a:xfrm rot="16200000" flipV="1">
+            <a:off x="1551665" y="2560165"/>
+            <a:ext cx="177065" cy="2"/>
           </a:xfrm>
           <a:prstGeom prst="bentConnector3">
             <a:avLst>
@@ -1800,7 +1746,7 @@
         </p:nvSpPr>
         <p:spPr>
           <a:xfrm>
-            <a:off x="1529994" y="684002"/>
+            <a:off x="1152140" y="703159"/>
             <a:ext cx="1122431" cy="230832"/>
           </a:xfrm>
           <a:prstGeom prst="rect">
@@ -1839,9 +1785,9 @@
           <p:nvPr/>
         </p:nvCxnSpPr>
         <p:spPr>
-          <a:xfrm rot="16200000" flipH="1">
-            <a:off x="2075412" y="930631"/>
-            <a:ext cx="39206" cy="7611"/>
+          <a:xfrm rot="5400000">
+            <a:off x="1666020" y="981327"/>
+            <a:ext cx="94672" cy="1"/>
           </a:xfrm>
           <a:prstGeom prst="bentConnector3">
             <a:avLst>
@@ -1877,7 +1823,7 @@
         </p:nvSpPr>
         <p:spPr>
           <a:xfrm>
-            <a:off x="1529994" y="2732141"/>
+            <a:off x="1058573" y="2911965"/>
             <a:ext cx="1122431" cy="343441"/>
           </a:xfrm>
           <a:prstGeom prst="rect">
@@ -1941,8 +1887,8 @@
         </p:nvSpPr>
         <p:spPr>
           <a:xfrm>
-            <a:off x="1450524" y="3540254"/>
-            <a:ext cx="1278199" cy="390582"/>
+            <a:off x="893566" y="3714577"/>
+            <a:ext cx="1369128" cy="505276"/>
           </a:xfrm>
           <a:prstGeom prst="rect">
             <a:avLst/>
@@ -1983,17 +1929,27 @@
                 <a:latin typeface="Arial" panose="020B0604020202020204" pitchFamily="34" charset="0"/>
                 <a:cs typeface="Arial" panose="020B0604020202020204" pitchFamily="34" charset="0"/>
               </a:rPr>
-              <a:t>conjuntos </a:t>
-            </a:r>
-            <a:r>
-              <a:rPr lang="es-ES" sz="900" dirty="0" smtClean="0">
-                <a:solidFill>
-                  <a:schemeClr val="tx1"/>
-                </a:solidFill>
-                <a:latin typeface="Arial" panose="020B0604020202020204" pitchFamily="34" charset="0"/>
-                <a:cs typeface="Arial" panose="020B0604020202020204" pitchFamily="34" charset="0"/>
-              </a:rPr>
-              <a:t>de puntos que cumplen una condición</a:t>
+              <a:t>conjuntos de puntos que cumplen una </a:t>
+            </a:r>
+            <a:r>
+              <a:rPr lang="es-ES" sz="900" dirty="0" smtClean="0">
+                <a:solidFill>
+                  <a:schemeClr val="tx1"/>
+                </a:solidFill>
+                <a:latin typeface="Arial" panose="020B0604020202020204" pitchFamily="34" charset="0"/>
+                <a:cs typeface="Arial" panose="020B0604020202020204" pitchFamily="34" charset="0"/>
+              </a:rPr>
+              <a:t>condición geom</a:t>
+            </a:r>
+            <a:r>
+              <a:rPr lang="es-ES" sz="900" dirty="0" smtClean="0">
+                <a:solidFill>
+                  <a:schemeClr val="tx1"/>
+                </a:solidFill>
+                <a:latin typeface="Arial" panose="020B0604020202020204" pitchFamily="34" charset="0"/>
+                <a:cs typeface="Arial" panose="020B0604020202020204" pitchFamily="34" charset="0"/>
+              </a:rPr>
+              <a:t>étrica</a:t>
             </a:r>
             <a:endParaRPr lang="es-ES" sz="900" dirty="0">
               <a:solidFill>
@@ -2013,8 +1969,8 @@
         </p:nvSpPr>
         <p:spPr>
           <a:xfrm>
-            <a:off x="1575143" y="4371536"/>
-            <a:ext cx="1118927" cy="353519"/>
+            <a:off x="1036239" y="4628633"/>
+            <a:ext cx="1083782" cy="260593"/>
           </a:xfrm>
           <a:prstGeom prst="rect">
             <a:avLst/>
@@ -2075,7 +2031,7 @@
         </p:nvSpPr>
         <p:spPr>
           <a:xfrm>
-            <a:off x="1536450" y="3211576"/>
+            <a:off x="1058573" y="3397473"/>
             <a:ext cx="1117174" cy="230832"/>
           </a:xfrm>
           <a:prstGeom prst="rect">
@@ -2107,100 +2063,17 @@
       <p:cxnSp>
         <p:nvCxnSpPr>
           <p:cNvPr id="133" name="Conector angular 132"/>
-          <p:cNvCxnSpPr>
-            <a:stCxn id="122" idx="2"/>
-            <a:endCxn id="129" idx="0"/>
-          </p:cNvCxnSpPr>
+          <p:cNvCxnSpPr/>
           <p:nvPr/>
         </p:nvCxnSpPr>
         <p:spPr>
           <a:xfrm rot="16200000" flipH="1">
-            <a:off x="2025126" y="3141665"/>
-            <a:ext cx="135994" cy="3827"/>
+            <a:off x="1557362" y="3348944"/>
+            <a:ext cx="163381" cy="1754"/>
           </a:xfrm>
           <a:prstGeom prst="bentConnector3">
             <a:avLst>
-              <a:gd name="adj1" fmla="val 50000"/>
-            </a:avLst>
-          </a:prstGeom>
-          <a:ln w="12700">
-            <a:solidFill>
-              <a:schemeClr val="tx1"/>
-            </a:solidFill>
-          </a:ln>
-        </p:spPr>
-        <p:style>
-          <a:lnRef idx="1">
-            <a:schemeClr val="accent1"/>
-          </a:lnRef>
-          <a:fillRef idx="0">
-            <a:schemeClr val="accent1"/>
-          </a:fillRef>
-          <a:effectRef idx="0">
-            <a:schemeClr val="accent1"/>
-          </a:effectRef>
-          <a:fontRef idx="minor">
-            <a:schemeClr val="tx1"/>
-          </a:fontRef>
-        </p:style>
-      </p:cxnSp>
-      <p:cxnSp>
-        <p:nvCxnSpPr>
-          <p:cNvPr id="134" name="Conector angular 133"/>
-          <p:cNvCxnSpPr>
-            <a:stCxn id="129" idx="2"/>
-            <a:endCxn id="127" idx="0"/>
-          </p:cNvCxnSpPr>
-          <p:nvPr/>
-        </p:nvCxnSpPr>
-        <p:spPr>
-          <a:xfrm rot="5400000">
-            <a:off x="2043408" y="3488625"/>
-            <a:ext cx="97846" cy="5413"/>
-          </a:xfrm>
-          <a:prstGeom prst="bentConnector3">
-            <a:avLst>
-              <a:gd name="adj1" fmla="val 50000"/>
-            </a:avLst>
-          </a:prstGeom>
-          <a:ln w="12700">
-            <a:solidFill>
-              <a:schemeClr val="tx1"/>
-            </a:solidFill>
-          </a:ln>
-        </p:spPr>
-        <p:style>
-          <a:lnRef idx="1">
-            <a:schemeClr val="accent1"/>
-          </a:lnRef>
-          <a:fillRef idx="0">
-            <a:schemeClr val="accent1"/>
-          </a:fillRef>
-          <a:effectRef idx="0">
-            <a:schemeClr val="accent1"/>
-          </a:effectRef>
-          <a:fontRef idx="minor">
-            <a:schemeClr val="tx1"/>
-          </a:fontRef>
-        </p:style>
-      </p:cxnSp>
-      <p:cxnSp>
-        <p:nvCxnSpPr>
-          <p:cNvPr id="137" name="Conector angular 136"/>
-          <p:cNvCxnSpPr>
-            <a:stCxn id="127" idx="2"/>
-            <a:endCxn id="157" idx="0"/>
-          </p:cNvCxnSpPr>
-          <p:nvPr/>
-        </p:nvCxnSpPr>
-        <p:spPr>
-          <a:xfrm rot="16200000" flipH="1">
-            <a:off x="2060062" y="3960398"/>
-            <a:ext cx="102087" cy="42962"/>
-          </a:xfrm>
-          <a:prstGeom prst="bentConnector3">
-            <a:avLst>
-              <a:gd name="adj1" fmla="val 50000"/>
+              <a:gd name="adj1" fmla="val 41647"/>
             </a:avLst>
           </a:prstGeom>
           <a:ln w="12700">
@@ -2227,19 +2100,18 @@
       <p:cxnSp>
         <p:nvCxnSpPr>
           <p:cNvPr id="140" name="Conector angular 139"/>
-          <p:cNvCxnSpPr>
-            <a:stCxn id="128" idx="0"/>
-            <a:endCxn id="157" idx="2"/>
-          </p:cNvCxnSpPr>
+          <p:cNvCxnSpPr/>
           <p:nvPr/>
         </p:nvCxnSpPr>
         <p:spPr>
           <a:xfrm rot="16200000" flipV="1">
-            <a:off x="2079707" y="4316635"/>
+            <a:off x="1565254" y="4560512"/>
             <a:ext cx="107781" cy="2021"/>
           </a:xfrm>
           <a:prstGeom prst="bentConnector3">
-            <a:avLst/>
+            <a:avLst>
+              <a:gd name="adj1" fmla="val 3571"/>
+            </a:avLst>
           </a:prstGeom>
           <a:ln w="12700">
             <a:solidFill>
@@ -2270,7 +2142,7 @@
         </p:nvSpPr>
         <p:spPr>
           <a:xfrm>
-            <a:off x="976985" y="5347483"/>
+            <a:off x="1010927" y="5245941"/>
             <a:ext cx="1118927" cy="353519"/>
           </a:xfrm>
           <a:prstGeom prst="rect">
@@ -2312,8 +2184,25 @@
                 <a:latin typeface="Arial" panose="020B0604020202020204" pitchFamily="34" charset="0"/>
                 <a:cs typeface="Arial" panose="020B0604020202020204" pitchFamily="34" charset="0"/>
               </a:rPr>
-              <a:t>la recta</a:t>
-            </a:r>
+              <a:t>la </a:t>
+            </a:r>
+            <a:r>
+              <a:rPr lang="es-ES" sz="900" dirty="0" smtClean="0">
+                <a:solidFill>
+                  <a:schemeClr val="tx1"/>
+                </a:solidFill>
+                <a:latin typeface="Arial" panose="020B0604020202020204" pitchFamily="34" charset="0"/>
+                <a:cs typeface="Arial" panose="020B0604020202020204" pitchFamily="34" charset="0"/>
+              </a:rPr>
+              <a:t>línea recta</a:t>
+            </a:r>
+            <a:endParaRPr lang="es-ES" sz="900" dirty="0" smtClean="0">
+              <a:solidFill>
+                <a:schemeClr val="tx1"/>
+              </a:solidFill>
+              <a:latin typeface="Arial" panose="020B0604020202020204" pitchFamily="34" charset="0"/>
+              <a:cs typeface="Arial" panose="020B0604020202020204" pitchFamily="34" charset="0"/>
+            </a:endParaRPr>
           </a:p>
           <a:p>
             <a:pPr algn="ctr"/>
@@ -2385,8 +2274,8 @@
         </p:nvSpPr>
         <p:spPr>
           <a:xfrm>
-            <a:off x="955504" y="6082816"/>
-            <a:ext cx="1155601" cy="650525"/>
+            <a:off x="210668" y="5949238"/>
+            <a:ext cx="1302266" cy="650525"/>
           </a:xfrm>
           <a:prstGeom prst="rect">
             <a:avLst/>
@@ -2437,7 +2326,27 @@
                 <a:latin typeface="Arial" panose="020B0604020202020204" pitchFamily="34" charset="0"/>
                 <a:cs typeface="Arial" panose="020B0604020202020204" pitchFamily="34" charset="0"/>
               </a:rPr>
-              <a:t> es la pendiente, permite determinar paralelismo o perpendicularidad entre dos rectas</a:t>
+              <a:t> es la pendiente</a:t>
+            </a:r>
+            <a:r>
+              <a:rPr lang="es-ES" sz="900" dirty="0" smtClean="0">
+                <a:solidFill>
+                  <a:schemeClr val="tx1"/>
+                </a:solidFill>
+                <a:latin typeface="Arial" panose="020B0604020202020204" pitchFamily="34" charset="0"/>
+                <a:cs typeface="Arial" panose="020B0604020202020204" pitchFamily="34" charset="0"/>
+              </a:rPr>
+              <a:t>,  </a:t>
+            </a:r>
+            <a:r>
+              <a:rPr lang="es-ES" sz="900" dirty="0" smtClean="0">
+                <a:solidFill>
+                  <a:schemeClr val="tx1"/>
+                </a:solidFill>
+                <a:latin typeface="Arial" panose="020B0604020202020204" pitchFamily="34" charset="0"/>
+                <a:cs typeface="Arial" panose="020B0604020202020204" pitchFamily="34" charset="0"/>
+              </a:rPr>
+              <a:t>permite determinar paralelismo o perpendicularidad entre dos rectas</a:t>
             </a:r>
             <a:endParaRPr lang="es-ES" sz="900" dirty="0">
               <a:solidFill>
@@ -2457,7 +2366,7 @@
         </p:nvSpPr>
         <p:spPr>
           <a:xfrm>
-            <a:off x="1576896" y="4870143"/>
+            <a:off x="1050456" y="4947466"/>
             <a:ext cx="1117174" cy="230832"/>
           </a:xfrm>
           <a:prstGeom prst="rect">
@@ -2494,7 +2403,7 @@
         </p:nvSpPr>
         <p:spPr>
           <a:xfrm>
-            <a:off x="974075" y="5780686"/>
+            <a:off x="223043" y="5668109"/>
             <a:ext cx="1120084" cy="230832"/>
           </a:xfrm>
           <a:prstGeom prst="rect">
@@ -2515,243 +2424,6 @@
                 <a:cs typeface="Arial" panose="020B0604020202020204" pitchFamily="34" charset="0"/>
               </a:rPr>
               <a:t>donde</a:t>
-            </a:r>
-            <a:endParaRPr lang="es-ES" sz="900" dirty="0">
-              <a:latin typeface="Arial" panose="020B0604020202020204" pitchFamily="34" charset="0"/>
-              <a:cs typeface="Arial" panose="020B0604020202020204" pitchFamily="34" charset="0"/>
-            </a:endParaRPr>
-          </a:p>
-        </p:txBody>
-      </p:sp>
-      <p:cxnSp>
-        <p:nvCxnSpPr>
-          <p:cNvPr id="146" name="Conector angular 145"/>
-          <p:cNvCxnSpPr>
-            <a:stCxn id="143" idx="0"/>
-            <a:endCxn id="128" idx="2"/>
-          </p:cNvCxnSpPr>
-          <p:nvPr/>
-        </p:nvCxnSpPr>
-        <p:spPr>
-          <a:xfrm rot="16200000" flipV="1">
-            <a:off x="2062501" y="4797161"/>
-            <a:ext cx="145088" cy="876"/>
-          </a:xfrm>
-          <a:prstGeom prst="bentConnector3">
-            <a:avLst>
-              <a:gd name="adj1" fmla="val 50000"/>
-            </a:avLst>
-          </a:prstGeom>
-          <a:ln w="12700">
-            <a:solidFill>
-              <a:schemeClr val="tx1"/>
-            </a:solidFill>
-          </a:ln>
-        </p:spPr>
-        <p:style>
-          <a:lnRef idx="1">
-            <a:schemeClr val="accent1"/>
-          </a:lnRef>
-          <a:fillRef idx="0">
-            <a:schemeClr val="accent1"/>
-          </a:fillRef>
-          <a:effectRef idx="0">
-            <a:schemeClr val="accent1"/>
-          </a:effectRef>
-          <a:fontRef idx="minor">
-            <a:schemeClr val="tx1"/>
-          </a:fontRef>
-        </p:style>
-      </p:cxnSp>
-      <p:cxnSp>
-        <p:nvCxnSpPr>
-          <p:cNvPr id="147" name="Conector angular 146"/>
-          <p:cNvCxnSpPr>
-            <a:stCxn id="141" idx="0"/>
-            <a:endCxn id="143" idx="2"/>
-          </p:cNvCxnSpPr>
-          <p:nvPr/>
-        </p:nvCxnSpPr>
-        <p:spPr>
-          <a:xfrm rot="5400000" flipH="1" flipV="1">
-            <a:off x="1712712" y="4924712"/>
-            <a:ext cx="246508" cy="599034"/>
-          </a:xfrm>
-          <a:prstGeom prst="bentConnector3">
-            <a:avLst>
-              <a:gd name="adj1" fmla="val 50000"/>
-            </a:avLst>
-          </a:prstGeom>
-          <a:ln w="12700">
-            <a:solidFill>
-              <a:schemeClr val="tx1"/>
-            </a:solidFill>
-          </a:ln>
-        </p:spPr>
-        <p:style>
-          <a:lnRef idx="1">
-            <a:schemeClr val="accent1"/>
-          </a:lnRef>
-          <a:fillRef idx="0">
-            <a:schemeClr val="accent1"/>
-          </a:fillRef>
-          <a:effectRef idx="0">
-            <a:schemeClr val="accent1"/>
-          </a:effectRef>
-          <a:fontRef idx="minor">
-            <a:schemeClr val="tx1"/>
-          </a:fontRef>
-        </p:style>
-      </p:cxnSp>
-      <p:cxnSp>
-        <p:nvCxnSpPr>
-          <p:cNvPr id="148" name="Conector angular 147"/>
-          <p:cNvCxnSpPr>
-            <a:stCxn id="144" idx="0"/>
-            <a:endCxn id="141" idx="2"/>
-          </p:cNvCxnSpPr>
-          <p:nvPr/>
-        </p:nvCxnSpPr>
-        <p:spPr>
-          <a:xfrm rot="5400000" flipH="1" flipV="1">
-            <a:off x="1495441" y="5739678"/>
-            <a:ext cx="79684" cy="2332"/>
-          </a:xfrm>
-          <a:prstGeom prst="bentConnector3">
-            <a:avLst>
-              <a:gd name="adj1" fmla="val 50000"/>
-            </a:avLst>
-          </a:prstGeom>
-          <a:ln w="12700">
-            <a:solidFill>
-              <a:schemeClr val="tx1"/>
-            </a:solidFill>
-          </a:ln>
-        </p:spPr>
-        <p:style>
-          <a:lnRef idx="1">
-            <a:schemeClr val="accent1"/>
-          </a:lnRef>
-          <a:fillRef idx="0">
-            <a:schemeClr val="accent1"/>
-          </a:fillRef>
-          <a:effectRef idx="0">
-            <a:schemeClr val="accent1"/>
-          </a:effectRef>
-          <a:fontRef idx="minor">
-            <a:schemeClr val="tx1"/>
-          </a:fontRef>
-        </p:style>
-      </p:cxnSp>
-      <p:cxnSp>
-        <p:nvCxnSpPr>
-          <p:cNvPr id="155" name="Conector angular 154"/>
-          <p:cNvCxnSpPr>
-            <a:stCxn id="142" idx="0"/>
-            <a:endCxn id="144" idx="2"/>
-          </p:cNvCxnSpPr>
-          <p:nvPr/>
-        </p:nvCxnSpPr>
-        <p:spPr>
-          <a:xfrm rot="5400000" flipH="1" flipV="1">
-            <a:off x="1498062" y="6046761"/>
-            <a:ext cx="71298" cy="812"/>
-          </a:xfrm>
-          <a:prstGeom prst="bentConnector3">
-            <a:avLst>
-              <a:gd name="adj1" fmla="val 50000"/>
-            </a:avLst>
-          </a:prstGeom>
-          <a:ln w="12700">
-            <a:solidFill>
-              <a:schemeClr val="tx1"/>
-            </a:solidFill>
-          </a:ln>
-        </p:spPr>
-        <p:style>
-          <a:lnRef idx="1">
-            <a:schemeClr val="accent1"/>
-          </a:lnRef>
-          <a:fillRef idx="0">
-            <a:schemeClr val="accent1"/>
-          </a:fillRef>
-          <a:effectRef idx="0">
-            <a:schemeClr val="accent1"/>
-          </a:effectRef>
-          <a:fontRef idx="minor">
-            <a:schemeClr val="tx1"/>
-          </a:fontRef>
-        </p:style>
-      </p:cxnSp>
-      <p:cxnSp>
-        <p:nvCxnSpPr>
-          <p:cNvPr id="156" name="Conector angular 155"/>
-          <p:cNvCxnSpPr>
-            <a:stCxn id="116" idx="2"/>
-            <a:endCxn id="122" idx="0"/>
-          </p:cNvCxnSpPr>
-          <p:nvPr/>
-        </p:nvCxnSpPr>
-        <p:spPr>
-          <a:xfrm rot="5400000">
-            <a:off x="2032017" y="2670319"/>
-            <a:ext cx="121015" cy="2628"/>
-          </a:xfrm>
-          <a:prstGeom prst="bentConnector3">
-            <a:avLst>
-              <a:gd name="adj1" fmla="val 50000"/>
-            </a:avLst>
-          </a:prstGeom>
-          <a:ln w="12700">
-            <a:solidFill>
-              <a:schemeClr val="tx1"/>
-            </a:solidFill>
-          </a:ln>
-        </p:spPr>
-        <p:style>
-          <a:lnRef idx="1">
-            <a:schemeClr val="accent1"/>
-          </a:lnRef>
-          <a:fillRef idx="0">
-            <a:schemeClr val="accent1"/>
-          </a:fillRef>
-          <a:effectRef idx="0">
-            <a:schemeClr val="accent1"/>
-          </a:effectRef>
-          <a:fontRef idx="minor">
-            <a:schemeClr val="tx1"/>
-          </a:fontRef>
-        </p:style>
-      </p:cxnSp>
-      <p:sp>
-        <p:nvSpPr>
-          <p:cNvPr id="157" name="CuadroTexto 156" descr="Conector entre nodos" title="conector"/>
-          <p:cNvSpPr txBox="1"/>
-          <p:nvPr/>
-        </p:nvSpPr>
-        <p:spPr>
-          <a:xfrm>
-            <a:off x="1536449" y="4032923"/>
-            <a:ext cx="1192274" cy="230832"/>
-          </a:xfrm>
-          <a:prstGeom prst="rect">
-            <a:avLst/>
-          </a:prstGeom>
-          <a:noFill/>
-        </p:spPr>
-        <p:txBody>
-          <a:bodyPr wrap="square" rtlCol="0">
-            <a:spAutoFit/>
-          </a:bodyPr>
-          <a:lstStyle/>
-          <a:p>
-            <a:pPr algn="ctr"/>
-            <a:r>
-              <a:rPr lang="es-ES" sz="900" dirty="0" smtClean="0">
-                <a:latin typeface="Arial" panose="020B0604020202020204" pitchFamily="34" charset="0"/>
-                <a:cs typeface="Arial" panose="020B0604020202020204" pitchFamily="34" charset="0"/>
-              </a:rPr>
-              <a:t>se representan por</a:t>
             </a:r>
             <a:endParaRPr lang="es-ES" sz="900" dirty="0">
               <a:latin typeface="Arial" panose="020B0604020202020204" pitchFamily="34" charset="0"/>
@@ -2762,106 +2434,41 @@
       </p:sp>
       <p:sp>
         <p:nvSpPr>
-          <p:cNvPr id="158" name="Rectángulo 157" descr="Nodo de sexto nivel" title="Nodo06"/>
-          <p:cNvSpPr/>
+          <p:cNvPr id="157" name="CuadroTexto 156" descr="Conector entre nodos" title="conector"/>
+          <p:cNvSpPr txBox="1"/>
           <p:nvPr/>
         </p:nvSpPr>
         <p:spPr>
           <a:xfrm>
-            <a:off x="2307789" y="5358571"/>
-            <a:ext cx="1278506" cy="353519"/>
+            <a:off x="1077647" y="4297480"/>
+            <a:ext cx="1192274" cy="230832"/>
           </a:xfrm>
           <a:prstGeom prst="rect">
             <a:avLst/>
           </a:prstGeom>
-          <a:solidFill>
-            <a:schemeClr val="bg1"/>
-          </a:solidFill>
-          <a:ln>
-            <a:solidFill>
-              <a:schemeClr val="tx1"/>
-            </a:solidFill>
-          </a:ln>
-        </p:spPr>
-        <p:style>
-          <a:lnRef idx="2">
-            <a:schemeClr val="accent6"/>
-          </a:lnRef>
-          <a:fillRef idx="1">
-            <a:schemeClr val="lt1"/>
-          </a:fillRef>
-          <a:effectRef idx="0">
-            <a:schemeClr val="accent6"/>
-          </a:effectRef>
-          <a:fontRef idx="minor">
-            <a:schemeClr val="dk1"/>
-          </a:fontRef>
-        </p:style>
+          <a:noFill/>
+        </p:spPr>
         <p:txBody>
-          <a:bodyPr rtlCol="0" anchor="ctr"/>
+          <a:bodyPr wrap="square" rtlCol="0">
+            <a:spAutoFit/>
+          </a:bodyPr>
           <a:lstStyle/>
           <a:p>
             <a:pPr algn="ctr"/>
             <a:r>
-              <a:rPr lang="es-CO" sz="900" dirty="0" smtClean="0">
-                <a:solidFill>
-                  <a:schemeClr val="tx1"/>
-                </a:solidFill>
-                <a:latin typeface="Arial" panose="020B0604020202020204" pitchFamily="34" charset="0"/>
-                <a:cs typeface="Arial" panose="020B0604020202020204" pitchFamily="34" charset="0"/>
-              </a:rPr>
-              <a:t>los polígonos</a:t>
-            </a:r>
-            <a:endParaRPr lang="es-ES" sz="900" baseline="30000" dirty="0">
-              <a:solidFill>
-                <a:schemeClr val="tx1"/>
-              </a:solidFill>
+              <a:rPr lang="es-ES" sz="900" dirty="0" smtClean="0">
+                <a:latin typeface="Arial" panose="020B0604020202020204" pitchFamily="34" charset="0"/>
+                <a:cs typeface="Arial" panose="020B0604020202020204" pitchFamily="34" charset="0"/>
+              </a:rPr>
+              <a:t>se representan por</a:t>
+            </a:r>
+            <a:endParaRPr lang="es-ES" sz="900" dirty="0">
               <a:latin typeface="Arial" panose="020B0604020202020204" pitchFamily="34" charset="0"/>
               <a:cs typeface="Arial" panose="020B0604020202020204" pitchFamily="34" charset="0"/>
             </a:endParaRPr>
           </a:p>
         </p:txBody>
       </p:sp>
-      <p:cxnSp>
-        <p:nvCxnSpPr>
-          <p:cNvPr id="159" name="Conector angular 158"/>
-          <p:cNvCxnSpPr>
-            <a:stCxn id="158" idx="0"/>
-            <a:endCxn id="143" idx="2"/>
-          </p:cNvCxnSpPr>
-          <p:nvPr/>
-        </p:nvCxnSpPr>
-        <p:spPr>
-          <a:xfrm rot="16200000" flipV="1">
-            <a:off x="2412465" y="4823993"/>
-            <a:ext cx="257596" cy="811559"/>
-          </a:xfrm>
-          <a:prstGeom prst="bentConnector3">
-            <a:avLst>
-              <a:gd name="adj1" fmla="val 50000"/>
-            </a:avLst>
-          </a:prstGeom>
-          <a:ln w="12700">
-            <a:solidFill>
-              <a:schemeClr val="tx1"/>
-            </a:solidFill>
-          </a:ln>
-        </p:spPr>
-        <p:style>
-          <a:lnRef idx="1">
-            <a:schemeClr val="accent1"/>
-          </a:lnRef>
-          <a:fillRef idx="0">
-            <a:schemeClr val="accent1"/>
-          </a:fillRef>
-          <a:effectRef idx="0">
-            <a:schemeClr val="accent1"/>
-          </a:effectRef>
-          <a:fontRef idx="minor">
-            <a:schemeClr val="tx1"/>
-          </a:fontRef>
-        </p:style>
-      </p:cxnSp>
       <p:sp>
         <p:nvSpPr>
           <p:cNvPr id="164" name="Rectángulo 163" descr="Nodo de séptimo nivel" title="Nodo07"/>
@@ -2870,8 +2477,8 @@
         </p:nvSpPr>
         <p:spPr>
           <a:xfrm>
-            <a:off x="3645848" y="4846099"/>
-            <a:ext cx="1118927" cy="353519"/>
+            <a:off x="2927488" y="6039863"/>
+            <a:ext cx="1217385" cy="353519"/>
           </a:xfrm>
           <a:prstGeom prst="rect">
             <a:avLst/>
@@ -2922,7 +2529,17 @@
                 <a:latin typeface="Arial" panose="020B0604020202020204" pitchFamily="34" charset="0"/>
                 <a:cs typeface="Arial" panose="020B0604020202020204" pitchFamily="34" charset="0"/>
               </a:rPr>
-              <a:t> es el radio y el centro está en (</a:t>
+              <a:t> </a:t>
+            </a:r>
+            <a:r>
+              <a:rPr lang="es-ES" sz="900" dirty="0" smtClean="0">
+                <a:solidFill>
+                  <a:schemeClr val="tx1"/>
+                </a:solidFill>
+                <a:latin typeface="Arial" panose="020B0604020202020204" pitchFamily="34" charset="0"/>
+                <a:cs typeface="Arial" panose="020B0604020202020204" pitchFamily="34" charset="0"/>
+              </a:rPr>
+              <a:t>es el radio y el centro está en (</a:t>
             </a:r>
             <a:r>
               <a:rPr lang="es-ES" sz="900" i="1" dirty="0" smtClean="0">
@@ -2978,7 +2595,7 @@
         </p:nvSpPr>
         <p:spPr>
           <a:xfrm>
-            <a:off x="3642938" y="4492580"/>
+            <a:off x="2971986" y="5691871"/>
             <a:ext cx="1120084" cy="230832"/>
           </a:xfrm>
           <a:prstGeom prst="rect">
@@ -3009,60 +2626,18 @@
       </p:sp>
       <p:cxnSp>
         <p:nvCxnSpPr>
-          <p:cNvPr id="182" name="Conector angular 181"/>
-          <p:cNvCxnSpPr>
-            <a:stCxn id="178" idx="0"/>
-          </p:cNvCxnSpPr>
+          <p:cNvPr id="183" name="Conector angular 182"/>
+          <p:cNvCxnSpPr/>
           <p:nvPr/>
         </p:nvCxnSpPr>
         <p:spPr>
-          <a:xfrm rot="5400000" flipH="1" flipV="1">
-            <a:off x="4164304" y="4451572"/>
-            <a:ext cx="79684" cy="2332"/>
+          <a:xfrm rot="16200000" flipV="1">
+            <a:off x="3504541" y="5966144"/>
+            <a:ext cx="117160" cy="4153"/>
           </a:xfrm>
           <a:prstGeom prst="bentConnector3">
             <a:avLst>
-              <a:gd name="adj1" fmla="val 50000"/>
-            </a:avLst>
-          </a:prstGeom>
-          <a:ln w="12700">
-            <a:solidFill>
-              <a:schemeClr val="tx1"/>
-            </a:solidFill>
-          </a:ln>
-        </p:spPr>
-        <p:style>
-          <a:lnRef idx="1">
-            <a:schemeClr val="accent1"/>
-          </a:lnRef>
-          <a:fillRef idx="0">
-            <a:schemeClr val="accent1"/>
-          </a:fillRef>
-          <a:effectRef idx="0">
-            <a:schemeClr val="accent1"/>
-          </a:effectRef>
-          <a:fontRef idx="minor">
-            <a:schemeClr val="tx1"/>
-          </a:fontRef>
-        </p:style>
-      </p:cxnSp>
-      <p:cxnSp>
-        <p:nvCxnSpPr>
-          <p:cNvPr id="183" name="Conector angular 182"/>
-          <p:cNvCxnSpPr>
-            <a:stCxn id="164" idx="0"/>
-            <a:endCxn id="178" idx="2"/>
-          </p:cNvCxnSpPr>
-          <p:nvPr/>
-        </p:nvCxnSpPr>
-        <p:spPr>
-          <a:xfrm rot="16200000" flipV="1">
-            <a:off x="4142803" y="4783590"/>
-            <a:ext cx="122687" cy="2332"/>
-          </a:xfrm>
-          <a:prstGeom prst="bentConnector3">
-            <a:avLst>
-              <a:gd name="adj1" fmla="val 50000"/>
+              <a:gd name="adj1" fmla="val 2982"/>
             </a:avLst>
           </a:prstGeom>
           <a:ln w="12700">
@@ -3094,8 +2669,8 @@
         </p:nvSpPr>
         <p:spPr>
           <a:xfrm>
-            <a:off x="5263211" y="1816784"/>
-            <a:ext cx="1383708" cy="508114"/>
+            <a:off x="4694209" y="2011759"/>
+            <a:ext cx="1751140" cy="508114"/>
           </a:xfrm>
           <a:prstGeom prst="rect">
             <a:avLst/>
@@ -3158,7 +2733,7 @@
         </p:nvSpPr>
         <p:spPr>
           <a:xfrm>
-            <a:off x="4948813" y="3107619"/>
+            <a:off x="4538632" y="3246137"/>
             <a:ext cx="1042706" cy="199530"/>
           </a:xfrm>
           <a:prstGeom prst="rect">
@@ -3214,46 +2789,6 @@
           </a:p>
         </p:txBody>
       </p:sp>
-      <p:cxnSp>
-        <p:nvCxnSpPr>
-          <p:cNvPr id="196" name="Conector angular 195"/>
-          <p:cNvCxnSpPr>
-            <a:stCxn id="85" idx="2"/>
-            <a:endCxn id="195" idx="0"/>
-          </p:cNvCxnSpPr>
-          <p:nvPr/>
-        </p:nvCxnSpPr>
-        <p:spPr>
-          <a:xfrm rot="5400000">
-            <a:off x="5512012" y="2653454"/>
-            <a:ext cx="412320" cy="496011"/>
-          </a:xfrm>
-          <a:prstGeom prst="bentConnector3">
-            <a:avLst>
-              <a:gd name="adj1" fmla="val 50000"/>
-            </a:avLst>
-          </a:prstGeom>
-          <a:ln w="12700">
-            <a:solidFill>
-              <a:schemeClr val="tx1"/>
-            </a:solidFill>
-          </a:ln>
-        </p:spPr>
-        <p:style>
-          <a:lnRef idx="1">
-            <a:schemeClr val="accent1"/>
-          </a:lnRef>
-          <a:fillRef idx="0">
-            <a:schemeClr val="accent1"/>
-          </a:fillRef>
-          <a:effectRef idx="0">
-            <a:schemeClr val="accent1"/>
-          </a:effectRef>
-          <a:fontRef idx="minor">
-            <a:schemeClr val="tx1"/>
-          </a:fontRef>
-        </p:style>
-      </p:cxnSp>
       <p:sp>
         <p:nvSpPr>
           <p:cNvPr id="198" name="Rectángulo 197" descr="Nodo de tercer nivel" title="Nodo03"/>
@@ -3262,7 +2797,7 @@
         </p:nvSpPr>
         <p:spPr>
           <a:xfrm>
-            <a:off x="6127033" y="3099597"/>
+            <a:off x="5700608" y="3241327"/>
             <a:ext cx="1042706" cy="199530"/>
           </a:xfrm>
           <a:prstGeom prst="rect">
@@ -3318,46 +2853,6 @@
           </a:p>
         </p:txBody>
       </p:sp>
-      <p:cxnSp>
-        <p:nvCxnSpPr>
-          <p:cNvPr id="199" name="Conector angular 198"/>
-          <p:cNvCxnSpPr>
-            <a:stCxn id="85" idx="2"/>
-            <a:endCxn id="198" idx="0"/>
-          </p:cNvCxnSpPr>
-          <p:nvPr/>
-        </p:nvCxnSpPr>
-        <p:spPr>
-          <a:xfrm rot="16200000" flipH="1">
-            <a:off x="6105132" y="2556343"/>
-            <a:ext cx="404298" cy="682209"/>
-          </a:xfrm>
-          <a:prstGeom prst="bentConnector3">
-            <a:avLst>
-              <a:gd name="adj1" fmla="val 50000"/>
-            </a:avLst>
-          </a:prstGeom>
-          <a:ln w="12700">
-            <a:solidFill>
-              <a:schemeClr val="tx1"/>
-            </a:solidFill>
-          </a:ln>
-        </p:spPr>
-        <p:style>
-          <a:lnRef idx="1">
-            <a:schemeClr val="accent1"/>
-          </a:lnRef>
-          <a:fillRef idx="0">
-            <a:schemeClr val="accent1"/>
-          </a:fillRef>
-          <a:effectRef idx="0">
-            <a:schemeClr val="accent1"/>
-          </a:effectRef>
-          <a:fontRef idx="minor">
-            <a:schemeClr val="tx1"/>
-          </a:fontRef>
-        </p:style>
-      </p:cxnSp>
       <p:sp>
         <p:nvSpPr>
           <p:cNvPr id="201" name="Rectángulo 200" descr="Nodo de tercer nivel" title="Nodo03"/>
@@ -3366,7 +2861,7 @@
         </p:nvSpPr>
         <p:spPr>
           <a:xfrm>
-            <a:off x="7367545" y="3111922"/>
+            <a:off x="6944875" y="3237285"/>
             <a:ext cx="1042706" cy="199530"/>
           </a:xfrm>
           <a:prstGeom prst="rect">
@@ -3425,20 +2920,17 @@
       <p:cxnSp>
         <p:nvCxnSpPr>
           <p:cNvPr id="202" name="Conector angular 201"/>
-          <p:cNvCxnSpPr>
-            <a:stCxn id="85" idx="2"/>
-            <a:endCxn id="201" idx="0"/>
-          </p:cNvCxnSpPr>
+          <p:cNvCxnSpPr/>
           <p:nvPr/>
         </p:nvCxnSpPr>
         <p:spPr>
-          <a:xfrm rot="16200000" flipH="1">
-            <a:off x="6719226" y="1942249"/>
-            <a:ext cx="416623" cy="1922721"/>
+          <a:xfrm>
+            <a:off x="5569779" y="3139816"/>
+            <a:ext cx="1943419" cy="98178"/>
           </a:xfrm>
           <a:prstGeom prst="bentConnector3">
             <a:avLst>
-              <a:gd name="adj1" fmla="val 50000"/>
+              <a:gd name="adj1" fmla="val 100075"/>
             </a:avLst>
           </a:prstGeom>
           <a:ln w="12700">
@@ -3470,7 +2962,7 @@
         </p:nvSpPr>
         <p:spPr>
           <a:xfrm>
-            <a:off x="3724494" y="3523196"/>
+            <a:off x="3043646" y="4885225"/>
             <a:ext cx="961635" cy="230832"/>
           </a:xfrm>
           <a:prstGeom prst="rect">
@@ -3490,7 +2982,7 @@
                 <a:latin typeface="Arial" panose="020B0604020202020204" pitchFamily="34" charset="0"/>
                 <a:cs typeface="Arial" panose="020B0604020202020204" pitchFamily="34" charset="0"/>
               </a:rPr>
-              <a:t>definida por</a:t>
+              <a:t>su ecuación es</a:t>
             </a:r>
             <a:endParaRPr lang="es-ES" sz="900" dirty="0">
               <a:latin typeface="Arial" panose="020B0604020202020204" pitchFamily="34" charset="0"/>
@@ -3507,8 +2999,8 @@
         </p:nvSpPr>
         <p:spPr>
           <a:xfrm>
-            <a:off x="3679429" y="3948274"/>
-            <a:ext cx="1047102" cy="434243"/>
+            <a:off x="2872547" y="5260845"/>
+            <a:ext cx="1241291" cy="321111"/>
           </a:xfrm>
           <a:prstGeom prst="rect">
             <a:avLst/>
@@ -3709,7 +3201,7 @@
         </p:nvCxnSpPr>
         <p:spPr>
           <a:xfrm rot="16200000" flipV="1">
-            <a:off x="4132565" y="3467622"/>
+            <a:off x="3526642" y="4724975"/>
             <a:ext cx="131364" cy="4709"/>
           </a:xfrm>
           <a:prstGeom prst="bentConnector3">
@@ -3741,16 +3233,13 @@
       <p:cxnSp>
         <p:nvCxnSpPr>
           <p:cNvPr id="209" name="Conector angular 208"/>
-          <p:cNvCxnSpPr>
-            <a:stCxn id="207" idx="0"/>
-            <a:endCxn id="206" idx="2"/>
-          </p:cNvCxnSpPr>
+          <p:cNvCxnSpPr/>
           <p:nvPr/>
         </p:nvCxnSpPr>
         <p:spPr>
           <a:xfrm rot="5400000" flipH="1" flipV="1">
-            <a:off x="4107023" y="3849985"/>
-            <a:ext cx="194246" cy="2332"/>
+            <a:off x="3488167" y="5167920"/>
+            <a:ext cx="180154" cy="1"/>
           </a:xfrm>
           <a:prstGeom prst="bentConnector3">
             <a:avLst>
@@ -3786,7 +3275,7 @@
         </p:nvSpPr>
         <p:spPr>
           <a:xfrm>
-            <a:off x="4987266" y="3479027"/>
+            <a:off x="4427819" y="3537475"/>
             <a:ext cx="961635" cy="230832"/>
           </a:xfrm>
           <a:prstGeom prst="rect">
@@ -3806,7 +3295,7 @@
                 <a:latin typeface="Arial" panose="020B0604020202020204" pitchFamily="34" charset="0"/>
                 <a:cs typeface="Arial" panose="020B0604020202020204" pitchFamily="34" charset="0"/>
               </a:rPr>
-              <a:t>definida por</a:t>
+              <a:t>es</a:t>
             </a:r>
             <a:endParaRPr lang="es-ES" sz="900" dirty="0">
               <a:latin typeface="Arial" panose="020B0604020202020204" pitchFamily="34" charset="0"/>
@@ -3823,7 +3312,7 @@
         </p:nvSpPr>
         <p:spPr>
           <a:xfrm>
-            <a:off x="4986457" y="3934484"/>
+            <a:off x="4283663" y="5158377"/>
             <a:ext cx="1214331" cy="434243"/>
           </a:xfrm>
           <a:prstGeom prst="rect">
@@ -3995,7 +3484,7 @@
           <a:p>
             <a:pPr algn="ctr"/>
             <a:r>
-              <a:rPr lang="es-CO" sz="900" b="1" dirty="0">
+              <a:rPr lang="es-CO" sz="900" dirty="0">
                 <a:solidFill>
                   <a:schemeClr val="tx1"/>
                 </a:solidFill>
@@ -4004,7 +3493,7 @@
               </a:rPr>
               <a:t>o</a:t>
             </a:r>
-            <a:endParaRPr lang="es-CO" sz="900" b="1" dirty="0" smtClean="0">
+            <a:endParaRPr lang="es-CO" sz="900" dirty="0" smtClean="0">
               <a:solidFill>
                 <a:schemeClr val="tx1"/>
               </a:solidFill>
@@ -4168,83 +3657,6 @@
           </a:p>
         </p:txBody>
       </p:sp>
-      <p:cxnSp>
-        <p:nvCxnSpPr>
-          <p:cNvPr id="213" name="Conector angular 212"/>
-          <p:cNvCxnSpPr/>
-          <p:nvPr/>
-        </p:nvCxnSpPr>
-        <p:spPr>
-          <a:xfrm rot="16200000" flipV="1">
-            <a:off x="5395337" y="3423453"/>
-            <a:ext cx="131364" cy="4709"/>
-          </a:xfrm>
-          <a:prstGeom prst="bentConnector3">
-            <a:avLst>
-              <a:gd name="adj1" fmla="val 103543"/>
-            </a:avLst>
-          </a:prstGeom>
-          <a:ln w="12700">
-            <a:solidFill>
-              <a:schemeClr val="tx1"/>
-            </a:solidFill>
-          </a:ln>
-        </p:spPr>
-        <p:style>
-          <a:lnRef idx="1">
-            <a:schemeClr val="accent1"/>
-          </a:lnRef>
-          <a:fillRef idx="0">
-            <a:schemeClr val="accent1"/>
-          </a:fillRef>
-          <a:effectRef idx="0">
-            <a:schemeClr val="accent1"/>
-          </a:effectRef>
-          <a:fontRef idx="minor">
-            <a:schemeClr val="tx1"/>
-          </a:fontRef>
-        </p:style>
-      </p:cxnSp>
-      <p:cxnSp>
-        <p:nvCxnSpPr>
-          <p:cNvPr id="214" name="Conector angular 213"/>
-          <p:cNvCxnSpPr>
-            <a:stCxn id="212" idx="0"/>
-            <a:endCxn id="211" idx="2"/>
-          </p:cNvCxnSpPr>
-          <p:nvPr/>
-        </p:nvCxnSpPr>
-        <p:spPr>
-          <a:xfrm rot="16200000" flipV="1">
-            <a:off x="5418542" y="3759402"/>
-            <a:ext cx="224625" cy="125539"/>
-          </a:xfrm>
-          <a:prstGeom prst="bentConnector3">
-            <a:avLst>
-              <a:gd name="adj1" fmla="val 50000"/>
-            </a:avLst>
-          </a:prstGeom>
-          <a:ln w="12700">
-            <a:solidFill>
-              <a:schemeClr val="tx1"/>
-            </a:solidFill>
-          </a:ln>
-        </p:spPr>
-        <p:style>
-          <a:lnRef idx="1">
-            <a:schemeClr val="accent1"/>
-          </a:lnRef>
-          <a:fillRef idx="0">
-            <a:schemeClr val="accent1"/>
-          </a:fillRef>
-          <a:effectRef idx="0">
-            <a:schemeClr val="accent1"/>
-          </a:effectRef>
-          <a:fontRef idx="minor">
-            <a:schemeClr val="tx1"/>
-          </a:fontRef>
-        </p:style>
-      </p:cxnSp>
       <p:sp>
         <p:nvSpPr>
           <p:cNvPr id="215" name="CuadroTexto 214" descr="Conector entre nodos" title="conector"/>
@@ -4253,7 +3665,7 @@
         </p:nvSpPr>
         <p:spPr>
           <a:xfrm>
-            <a:off x="6226821" y="3468671"/>
+            <a:off x="5738667" y="3530068"/>
             <a:ext cx="961635" cy="230832"/>
           </a:xfrm>
           <a:prstGeom prst="rect">
@@ -4290,8 +3702,8 @@
         </p:nvSpPr>
         <p:spPr>
           <a:xfrm>
-            <a:off x="6329202" y="3921940"/>
-            <a:ext cx="759604" cy="434243"/>
+            <a:off x="5738667" y="5152211"/>
+            <a:ext cx="1090034" cy="447250"/>
           </a:xfrm>
           <a:prstGeom prst="rect">
             <a:avLst/>
@@ -4324,13 +3736,6 @@
           <a:lstStyle/>
           <a:p>
             <a:pPr algn="ctr"/>
-            <a:r>
-              <a:rPr lang="es-ES" sz="900" dirty="0" smtClean="0">
-                <a:latin typeface="Arial" panose="020B0604020202020204" pitchFamily="34" charset="0"/>
-                <a:cs typeface="Arial" panose="020B0604020202020204" pitchFamily="34" charset="0"/>
-              </a:rPr>
-              <a:t>&lt;&lt;formula01&gt;&gt;</a:t>
-            </a:r>
             <a:endParaRPr lang="es-ES" sz="900" b="1" dirty="0">
               <a:solidFill>
                 <a:schemeClr val="tx1"/>
@@ -4351,53 +3756,13 @@
           <p:nvPr/>
         </p:nvCxnSpPr>
         <p:spPr>
-          <a:xfrm rot="16200000" flipV="1">
-            <a:off x="6593241" y="3354272"/>
-            <a:ext cx="169544" cy="59253"/>
+          <a:xfrm rot="5400000" flipH="1" flipV="1">
+            <a:off x="6176118" y="3484225"/>
+            <a:ext cx="89211" cy="2476"/>
           </a:xfrm>
           <a:prstGeom prst="bentConnector3">
             <a:avLst>
-              <a:gd name="adj1" fmla="val 50000"/>
-            </a:avLst>
-          </a:prstGeom>
-          <a:ln w="12700">
-            <a:solidFill>
-              <a:schemeClr val="tx1"/>
-            </a:solidFill>
-          </a:ln>
-        </p:spPr>
-        <p:style>
-          <a:lnRef idx="1">
-            <a:schemeClr val="accent1"/>
-          </a:lnRef>
-          <a:fillRef idx="0">
-            <a:schemeClr val="accent1"/>
-          </a:fillRef>
-          <a:effectRef idx="0">
-            <a:schemeClr val="accent1"/>
-          </a:effectRef>
-          <a:fontRef idx="minor">
-            <a:schemeClr val="tx1"/>
-          </a:fontRef>
-        </p:style>
-      </p:cxnSp>
-      <p:cxnSp>
-        <p:nvCxnSpPr>
-          <p:cNvPr id="219" name="Conector angular 218"/>
-          <p:cNvCxnSpPr>
-            <a:stCxn id="216" idx="0"/>
-            <a:endCxn id="215" idx="2"/>
-          </p:cNvCxnSpPr>
-          <p:nvPr/>
-        </p:nvCxnSpPr>
-        <p:spPr>
-          <a:xfrm rot="16200000" flipV="1">
-            <a:off x="6597104" y="3810039"/>
-            <a:ext cx="222437" cy="1365"/>
-          </a:xfrm>
-          <a:prstGeom prst="bentConnector3">
-            <a:avLst>
-              <a:gd name="adj1" fmla="val 50000"/>
+              <a:gd name="adj1" fmla="val 99397"/>
             </a:avLst>
           </a:prstGeom>
           <a:ln w="12700">
@@ -4429,7 +3794,7 @@
         </p:nvSpPr>
         <p:spPr>
           <a:xfrm>
-            <a:off x="7450922" y="3479027"/>
+            <a:off x="7064106" y="3542748"/>
             <a:ext cx="961635" cy="230832"/>
           </a:xfrm>
           <a:prstGeom prst="rect">
@@ -4466,8 +3831,8 @@
         </p:nvSpPr>
         <p:spPr>
           <a:xfrm>
-            <a:off x="7554018" y="3934484"/>
-            <a:ext cx="759604" cy="434243"/>
+            <a:off x="7165121" y="5158378"/>
+            <a:ext cx="919628" cy="423087"/>
           </a:xfrm>
           <a:prstGeom prst="rect">
             <a:avLst/>
@@ -4500,20 +3865,6 @@
           <a:lstStyle/>
           <a:p>
             <a:pPr algn="ctr"/>
-            <a:r>
-              <a:rPr lang="es-ES" sz="900" dirty="0">
-                <a:latin typeface="Arial" panose="020B0604020202020204" pitchFamily="34" charset="0"/>
-                <a:cs typeface="Arial" panose="020B0604020202020204" pitchFamily="34" charset="0"/>
-              </a:rPr>
-              <a:t>&lt;&lt;</a:t>
-            </a:r>
-            <a:r>
-              <a:rPr lang="es-ES" sz="900" dirty="0" smtClean="0">
-                <a:latin typeface="Arial" panose="020B0604020202020204" pitchFamily="34" charset="0"/>
-                <a:cs typeface="Arial" panose="020B0604020202020204" pitchFamily="34" charset="0"/>
-              </a:rPr>
-              <a:t>formula02&gt;&gt;</a:t>
-            </a:r>
             <a:endParaRPr lang="es-ES" sz="900" b="1" dirty="0">
               <a:solidFill>
                 <a:schemeClr val="tx1"/>
@@ -4532,52 +3883,12 @@
         </p:nvCxnSpPr>
         <p:spPr>
           <a:xfrm rot="16200000" flipV="1">
-            <a:off x="7858993" y="3423453"/>
+            <a:off x="7442806" y="3507947"/>
             <a:ext cx="131364" cy="4709"/>
           </a:xfrm>
           <a:prstGeom prst="bentConnector3">
             <a:avLst>
               <a:gd name="adj1" fmla="val 103543"/>
-            </a:avLst>
-          </a:prstGeom>
-          <a:ln w="12700">
-            <a:solidFill>
-              <a:schemeClr val="tx1"/>
-            </a:solidFill>
-          </a:ln>
-        </p:spPr>
-        <p:style>
-          <a:lnRef idx="1">
-            <a:schemeClr val="accent1"/>
-          </a:lnRef>
-          <a:fillRef idx="0">
-            <a:schemeClr val="accent1"/>
-          </a:fillRef>
-          <a:effectRef idx="0">
-            <a:schemeClr val="accent1"/>
-          </a:effectRef>
-          <a:fontRef idx="minor">
-            <a:schemeClr val="tx1"/>
-          </a:fontRef>
-        </p:style>
-      </p:cxnSp>
-      <p:cxnSp>
-        <p:nvCxnSpPr>
-          <p:cNvPr id="258" name="Conector angular 257"/>
-          <p:cNvCxnSpPr>
-            <a:stCxn id="223" idx="0"/>
-            <a:endCxn id="221" idx="2"/>
-          </p:cNvCxnSpPr>
-          <p:nvPr/>
-        </p:nvCxnSpPr>
-        <p:spPr>
-          <a:xfrm rot="16200000" flipV="1">
-            <a:off x="7820468" y="3821132"/>
-            <a:ext cx="224625" cy="2080"/>
-          </a:xfrm>
-          <a:prstGeom prst="bentConnector3">
-            <a:avLst>
-              <a:gd name="adj1" fmla="val 50000"/>
             </a:avLst>
           </a:prstGeom>
           <a:ln w="12700">
@@ -4609,7 +3920,7 @@
         </p:nvSpPr>
         <p:spPr>
           <a:xfrm>
-            <a:off x="4933389" y="4837260"/>
+            <a:off x="4335578" y="5949238"/>
             <a:ext cx="1118927" cy="708059"/>
           </a:xfrm>
           <a:prstGeom prst="rect">
@@ -4651,17 +3962,7 @@
                 <a:latin typeface="Arial" panose="020B0604020202020204" pitchFamily="34" charset="0"/>
                 <a:cs typeface="Arial" panose="020B0604020202020204" pitchFamily="34" charset="0"/>
               </a:rPr>
-              <a:t>el punto </a:t>
-            </a:r>
-            <a:r>
-              <a:rPr lang="es-ES" sz="900" dirty="0" smtClean="0">
-                <a:solidFill>
-                  <a:schemeClr val="tx1"/>
-                </a:solidFill>
-                <a:latin typeface="Arial" panose="020B0604020202020204" pitchFamily="34" charset="0"/>
-                <a:cs typeface="Arial" panose="020B0604020202020204" pitchFamily="34" charset="0"/>
-              </a:rPr>
-              <a:t>(</a:t>
+              <a:t>el punto (</a:t>
             </a:r>
             <a:r>
               <a:rPr lang="es-ES" sz="900" i="1" dirty="0" smtClean="0">
@@ -4741,7 +4042,7 @@
         </p:nvSpPr>
         <p:spPr>
           <a:xfrm>
-            <a:off x="4932232" y="4473286"/>
+            <a:off x="4334391" y="5652274"/>
             <a:ext cx="1120084" cy="230832"/>
           </a:xfrm>
           <a:prstGeom prst="rect">
@@ -4772,56 +4073,16 @@
       </p:sp>
       <p:cxnSp>
         <p:nvCxnSpPr>
-          <p:cNvPr id="261" name="Conector angular 260"/>
-          <p:cNvCxnSpPr>
-            <a:stCxn id="260" idx="0"/>
-          </p:cNvCxnSpPr>
-          <p:nvPr/>
-        </p:nvCxnSpPr>
-        <p:spPr>
-          <a:xfrm rot="5400000" flipH="1" flipV="1">
-            <a:off x="5453598" y="4432278"/>
-            <a:ext cx="79684" cy="2332"/>
-          </a:xfrm>
-          <a:prstGeom prst="bentConnector3">
-            <a:avLst>
-              <a:gd name="adj1" fmla="val 50000"/>
-            </a:avLst>
-          </a:prstGeom>
-          <a:ln w="12700">
-            <a:solidFill>
-              <a:schemeClr val="tx1"/>
-            </a:solidFill>
-          </a:ln>
-        </p:spPr>
-        <p:style>
-          <a:lnRef idx="1">
-            <a:schemeClr val="accent1"/>
-          </a:lnRef>
-          <a:fillRef idx="0">
-            <a:schemeClr val="accent1"/>
-          </a:fillRef>
-          <a:effectRef idx="0">
-            <a:schemeClr val="accent1"/>
-          </a:effectRef>
-          <a:fontRef idx="minor">
-            <a:schemeClr val="tx1"/>
-          </a:fontRef>
-        </p:style>
-      </p:cxnSp>
-      <p:cxnSp>
-        <p:nvCxnSpPr>
           <p:cNvPr id="262" name="Conector angular 261"/>
           <p:cNvCxnSpPr>
             <a:stCxn id="259" idx="0"/>
-            <a:endCxn id="260" idx="2"/>
           </p:cNvCxnSpPr>
           <p:nvPr/>
         </p:nvCxnSpPr>
         <p:spPr>
           <a:xfrm rot="16200000" flipV="1">
-            <a:off x="5425993" y="4770399"/>
-            <a:ext cx="133142" cy="579"/>
+            <a:off x="4846915" y="5901110"/>
+            <a:ext cx="95677" cy="579"/>
           </a:xfrm>
           <a:prstGeom prst="bentConnector3">
             <a:avLst>
@@ -4857,8 +4118,8 @@
         </p:nvSpPr>
         <p:spPr>
           <a:xfrm>
-            <a:off x="6151872" y="4846099"/>
-            <a:ext cx="1118927" cy="1070766"/>
+            <a:off x="5645210" y="5983717"/>
+            <a:ext cx="1215185" cy="673580"/>
           </a:xfrm>
           <a:prstGeom prst="rect">
             <a:avLst/>
@@ -4969,91 +4230,17 @@
                 <a:latin typeface="Arial" panose="020B0604020202020204" pitchFamily="34" charset="0"/>
                 <a:cs typeface="Arial" panose="020B0604020202020204" pitchFamily="34" charset="0"/>
               </a:rPr>
-              <a:t> es la distancia del centro a los focos, dada por la relación:</a:t>
-            </a:r>
-          </a:p>
-          <a:p>
-            <a:pPr algn="ctr"/>
-            <a:r>
-              <a:rPr lang="es-ES" sz="900" i="1" dirty="0" smtClean="0">
-                <a:solidFill>
-                  <a:schemeClr val="tx1"/>
-                </a:solidFill>
-                <a:latin typeface="Arial" panose="020B0604020202020204" pitchFamily="34" charset="0"/>
-                <a:cs typeface="Arial" panose="020B0604020202020204" pitchFamily="34" charset="0"/>
-              </a:rPr>
-              <a:t>c</a:t>
-            </a:r>
-            <a:r>
-              <a:rPr lang="es-ES" sz="900" baseline="30000" dirty="0" smtClean="0">
-                <a:solidFill>
-                  <a:schemeClr val="tx1"/>
-                </a:solidFill>
-                <a:latin typeface="Arial" panose="020B0604020202020204" pitchFamily="34" charset="0"/>
-                <a:cs typeface="Arial" panose="020B0604020202020204" pitchFamily="34" charset="0"/>
-              </a:rPr>
-              <a:t>2</a:t>
-            </a:r>
-            <a:r>
-              <a:rPr lang="es-ES" sz="900" dirty="0" smtClean="0">
-                <a:solidFill>
-                  <a:schemeClr val="tx1"/>
-                </a:solidFill>
-                <a:latin typeface="Arial" panose="020B0604020202020204" pitchFamily="34" charset="0"/>
-                <a:cs typeface="Arial" panose="020B0604020202020204" pitchFamily="34" charset="0"/>
-              </a:rPr>
-              <a:t> = </a:t>
-            </a:r>
-            <a:r>
-              <a:rPr lang="es-ES" sz="900" i="1" dirty="0" smtClean="0">
-                <a:solidFill>
-                  <a:schemeClr val="tx1"/>
-                </a:solidFill>
-                <a:latin typeface="Arial" panose="020B0604020202020204" pitchFamily="34" charset="0"/>
-                <a:cs typeface="Arial" panose="020B0604020202020204" pitchFamily="34" charset="0"/>
-              </a:rPr>
-              <a:t>a</a:t>
-            </a:r>
-            <a:r>
-              <a:rPr lang="es-ES" sz="900" baseline="30000" dirty="0" smtClean="0">
-                <a:solidFill>
-                  <a:schemeClr val="tx1"/>
-                </a:solidFill>
-                <a:latin typeface="Arial" panose="020B0604020202020204" pitchFamily="34" charset="0"/>
-                <a:cs typeface="Arial" panose="020B0604020202020204" pitchFamily="34" charset="0"/>
-              </a:rPr>
-              <a:t>2</a:t>
-            </a:r>
-            <a:r>
-              <a:rPr lang="es-ES" sz="900" dirty="0" smtClean="0">
-                <a:solidFill>
-                  <a:schemeClr val="tx1"/>
-                </a:solidFill>
-                <a:latin typeface="Arial" panose="020B0604020202020204" pitchFamily="34" charset="0"/>
-                <a:cs typeface="Arial" panose="020B0604020202020204" pitchFamily="34" charset="0"/>
-              </a:rPr>
-              <a:t> </a:t>
-            </a:r>
-            <a:r>
-              <a:rPr lang="uz-Cyrl-UZ" sz="900" i="1" dirty="0" smtClean="0">
-                <a:latin typeface="Arial" panose="020B0604020202020204" pitchFamily="34" charset="0"/>
-                <a:cs typeface="Arial" panose="020B0604020202020204" pitchFamily="34" charset="0"/>
-              </a:rPr>
-              <a:t>–</a:t>
-            </a:r>
-            <a:r>
-              <a:rPr lang="es-CO" sz="900" i="1" dirty="0" smtClean="0">
-                <a:latin typeface="Arial" panose="020B0604020202020204" pitchFamily="34" charset="0"/>
-                <a:cs typeface="Arial" panose="020B0604020202020204" pitchFamily="34" charset="0"/>
-              </a:rPr>
-              <a:t> b</a:t>
-            </a:r>
-            <a:r>
-              <a:rPr lang="es-CO" sz="900" i="1" baseline="30000" dirty="0" smtClean="0">
-                <a:latin typeface="Arial" panose="020B0604020202020204" pitchFamily="34" charset="0"/>
-                <a:cs typeface="Arial" panose="020B0604020202020204" pitchFamily="34" charset="0"/>
-              </a:rPr>
-              <a:t>2</a:t>
+              <a:t> es la distancia del centro a los </a:t>
+            </a:r>
+            <a:r>
+              <a:rPr lang="es-ES" sz="900" dirty="0" smtClean="0">
+                <a:solidFill>
+                  <a:schemeClr val="tx1"/>
+                </a:solidFill>
+                <a:latin typeface="Arial" panose="020B0604020202020204" pitchFamily="34" charset="0"/>
+                <a:cs typeface="Arial" panose="020B0604020202020204" pitchFamily="34" charset="0"/>
+              </a:rPr>
+              <a:t>focos</a:t>
             </a:r>
             <a:endParaRPr lang="es-ES" sz="900" baseline="30000" dirty="0">
               <a:solidFill>
@@ -5073,7 +4260,7 @@
         </p:nvSpPr>
         <p:spPr>
           <a:xfrm>
-            <a:off x="6148962" y="4492580"/>
+            <a:off x="5702173" y="5673627"/>
             <a:ext cx="1120084" cy="230832"/>
           </a:xfrm>
           <a:prstGeom prst="rect">
@@ -5104,61 +4291,18 @@
       </p:sp>
       <p:cxnSp>
         <p:nvCxnSpPr>
-          <p:cNvPr id="265" name="Conector angular 264"/>
-          <p:cNvCxnSpPr>
-            <a:stCxn id="264" idx="0"/>
-            <a:endCxn id="216" idx="2"/>
-          </p:cNvCxnSpPr>
+          <p:cNvPr id="266" name="Conector angular 265"/>
+          <p:cNvCxnSpPr/>
           <p:nvPr/>
         </p:nvCxnSpPr>
         <p:spPr>
-          <a:xfrm rot="5400000" flipH="1" flipV="1">
-            <a:off x="6640806" y="4424382"/>
-            <a:ext cx="136397" cy="12700"/>
+          <a:xfrm rot="16200000" flipV="1">
+            <a:off x="6249598" y="5913465"/>
+            <a:ext cx="122687" cy="2332"/>
           </a:xfrm>
           <a:prstGeom prst="bentConnector3">
             <a:avLst>
-              <a:gd name="adj1" fmla="val 50000"/>
-            </a:avLst>
-          </a:prstGeom>
-          <a:ln w="12700">
-            <a:solidFill>
-              <a:schemeClr val="tx1"/>
-            </a:solidFill>
-          </a:ln>
-        </p:spPr>
-        <p:style>
-          <a:lnRef idx="1">
-            <a:schemeClr val="accent1"/>
-          </a:lnRef>
-          <a:fillRef idx="0">
-            <a:schemeClr val="accent1"/>
-          </a:fillRef>
-          <a:effectRef idx="0">
-            <a:schemeClr val="accent1"/>
-          </a:effectRef>
-          <a:fontRef idx="minor">
-            <a:schemeClr val="tx1"/>
-          </a:fontRef>
-        </p:style>
-      </p:cxnSp>
-      <p:cxnSp>
-        <p:nvCxnSpPr>
-          <p:cNvPr id="266" name="Conector angular 265"/>
-          <p:cNvCxnSpPr>
-            <a:stCxn id="263" idx="0"/>
-            <a:endCxn id="264" idx="2"/>
-          </p:cNvCxnSpPr>
-          <p:nvPr/>
-        </p:nvCxnSpPr>
-        <p:spPr>
-          <a:xfrm rot="16200000" flipV="1">
-            <a:off x="6648827" y="4783590"/>
-            <a:ext cx="122687" cy="2332"/>
-          </a:xfrm>
-          <a:prstGeom prst="bentConnector3">
-            <a:avLst>
-              <a:gd name="adj1" fmla="val 50000"/>
+              <a:gd name="adj1" fmla="val 8091"/>
             </a:avLst>
           </a:prstGeom>
           <a:ln w="12700">
@@ -5190,8 +4334,8 @@
         </p:nvSpPr>
         <p:spPr>
           <a:xfrm>
-            <a:off x="7424372" y="4846099"/>
-            <a:ext cx="1118927" cy="1070766"/>
+            <a:off x="7075775" y="5990555"/>
+            <a:ext cx="1149131" cy="659904"/>
           </a:xfrm>
           <a:prstGeom prst="rect">
             <a:avLst/>
@@ -5292,101 +4436,17 @@
                 <a:latin typeface="Arial" panose="020B0604020202020204" pitchFamily="34" charset="0"/>
                 <a:cs typeface="Arial" panose="020B0604020202020204" pitchFamily="34" charset="0"/>
               </a:rPr>
-              <a:t> es la distancia del centro a los focos, dada por la relación:</a:t>
-            </a:r>
-          </a:p>
-          <a:p>
-            <a:pPr algn="ctr"/>
-            <a:r>
-              <a:rPr lang="es-ES" sz="900" i="1" dirty="0">
-                <a:solidFill>
-                  <a:schemeClr val="tx1"/>
-                </a:solidFill>
-                <a:latin typeface="Arial" panose="020B0604020202020204" pitchFamily="34" charset="0"/>
-                <a:cs typeface="Arial" panose="020B0604020202020204" pitchFamily="34" charset="0"/>
-              </a:rPr>
-              <a:t>c</a:t>
-            </a:r>
-            <a:r>
-              <a:rPr lang="es-ES" sz="900" baseline="30000" dirty="0">
-                <a:solidFill>
-                  <a:schemeClr val="tx1"/>
-                </a:solidFill>
-                <a:latin typeface="Arial" panose="020B0604020202020204" pitchFamily="34" charset="0"/>
-                <a:cs typeface="Arial" panose="020B0604020202020204" pitchFamily="34" charset="0"/>
-              </a:rPr>
-              <a:t>2</a:t>
-            </a:r>
-            <a:r>
-              <a:rPr lang="es-ES" sz="900" dirty="0">
-                <a:solidFill>
-                  <a:schemeClr val="tx1"/>
-                </a:solidFill>
-                <a:latin typeface="Arial" panose="020B0604020202020204" pitchFamily="34" charset="0"/>
-                <a:cs typeface="Arial" panose="020B0604020202020204" pitchFamily="34" charset="0"/>
-              </a:rPr>
-              <a:t> = </a:t>
-            </a:r>
-            <a:r>
-              <a:rPr lang="es-ES" sz="900" i="1" dirty="0">
-                <a:solidFill>
-                  <a:schemeClr val="tx1"/>
-                </a:solidFill>
-                <a:latin typeface="Arial" panose="020B0604020202020204" pitchFamily="34" charset="0"/>
-                <a:cs typeface="Arial" panose="020B0604020202020204" pitchFamily="34" charset="0"/>
-              </a:rPr>
-              <a:t>a</a:t>
-            </a:r>
-            <a:r>
-              <a:rPr lang="es-ES" sz="900" baseline="30000" dirty="0">
-                <a:solidFill>
-                  <a:schemeClr val="tx1"/>
-                </a:solidFill>
-                <a:latin typeface="Arial" panose="020B0604020202020204" pitchFamily="34" charset="0"/>
-                <a:cs typeface="Arial" panose="020B0604020202020204" pitchFamily="34" charset="0"/>
-              </a:rPr>
-              <a:t>2</a:t>
-            </a:r>
-            <a:r>
-              <a:rPr lang="es-ES" sz="900" dirty="0">
-                <a:solidFill>
-                  <a:schemeClr val="tx1"/>
-                </a:solidFill>
-                <a:latin typeface="Arial" panose="020B0604020202020204" pitchFamily="34" charset="0"/>
-                <a:cs typeface="Arial" panose="020B0604020202020204" pitchFamily="34" charset="0"/>
-              </a:rPr>
-              <a:t> </a:t>
-            </a:r>
-            <a:r>
-              <a:rPr lang="es-ES" sz="900" dirty="0" smtClean="0">
-                <a:solidFill>
-                  <a:schemeClr val="tx1"/>
-                </a:solidFill>
-                <a:latin typeface="Arial" panose="020B0604020202020204" pitchFamily="34" charset="0"/>
-                <a:cs typeface="Arial" panose="020B0604020202020204" pitchFamily="34" charset="0"/>
-              </a:rPr>
-              <a:t>+</a:t>
-            </a:r>
-            <a:r>
-              <a:rPr lang="es-CO" sz="900" i="1" dirty="0" smtClean="0">
-                <a:latin typeface="Arial" panose="020B0604020202020204" pitchFamily="34" charset="0"/>
-                <a:cs typeface="Arial" panose="020B0604020202020204" pitchFamily="34" charset="0"/>
-              </a:rPr>
-              <a:t> </a:t>
-            </a:r>
-            <a:r>
-              <a:rPr lang="es-CO" sz="900" i="1" dirty="0">
-                <a:latin typeface="Arial" panose="020B0604020202020204" pitchFamily="34" charset="0"/>
-                <a:cs typeface="Arial" panose="020B0604020202020204" pitchFamily="34" charset="0"/>
-              </a:rPr>
-              <a:t>b</a:t>
-            </a:r>
-            <a:r>
-              <a:rPr lang="es-CO" sz="900" i="1" baseline="30000" dirty="0">
-                <a:latin typeface="Arial" panose="020B0604020202020204" pitchFamily="34" charset="0"/>
-                <a:cs typeface="Arial" panose="020B0604020202020204" pitchFamily="34" charset="0"/>
-              </a:rPr>
-              <a:t>2</a:t>
+              <a:t> es la distancia del centro a los </a:t>
+            </a:r>
+            <a:r>
+              <a:rPr lang="es-ES" sz="900" dirty="0" smtClean="0">
+                <a:solidFill>
+                  <a:schemeClr val="tx1"/>
+                </a:solidFill>
+                <a:latin typeface="Arial" panose="020B0604020202020204" pitchFamily="34" charset="0"/>
+                <a:cs typeface="Arial" panose="020B0604020202020204" pitchFamily="34" charset="0"/>
+              </a:rPr>
+              <a:t>focos</a:t>
             </a:r>
             <a:endParaRPr lang="es-ES" sz="900" baseline="30000" dirty="0">
               <a:solidFill>
@@ -5406,7 +4466,7 @@
         </p:nvSpPr>
         <p:spPr>
           <a:xfrm>
-            <a:off x="7421462" y="4492580"/>
+            <a:off x="7090299" y="5627231"/>
             <a:ext cx="1120084" cy="230832"/>
           </a:xfrm>
           <a:prstGeom prst="rect">
@@ -5437,85 +4497,6 @@
       </p:sp>
       <p:cxnSp>
         <p:nvCxnSpPr>
-          <p:cNvPr id="269" name="Conector angular 268"/>
-          <p:cNvCxnSpPr>
-            <a:stCxn id="268" idx="0"/>
-          </p:cNvCxnSpPr>
-          <p:nvPr/>
-        </p:nvCxnSpPr>
-        <p:spPr>
-          <a:xfrm rot="5400000" flipH="1" flipV="1">
-            <a:off x="7942828" y="4451572"/>
-            <a:ext cx="79684" cy="2332"/>
-          </a:xfrm>
-          <a:prstGeom prst="bentConnector3">
-            <a:avLst>
-              <a:gd name="adj1" fmla="val 50000"/>
-            </a:avLst>
-          </a:prstGeom>
-          <a:ln w="12700">
-            <a:solidFill>
-              <a:schemeClr val="tx1"/>
-            </a:solidFill>
-          </a:ln>
-        </p:spPr>
-        <p:style>
-          <a:lnRef idx="1">
-            <a:schemeClr val="accent1"/>
-          </a:lnRef>
-          <a:fillRef idx="0">
-            <a:schemeClr val="accent1"/>
-          </a:fillRef>
-          <a:effectRef idx="0">
-            <a:schemeClr val="accent1"/>
-          </a:effectRef>
-          <a:fontRef idx="minor">
-            <a:schemeClr val="tx1"/>
-          </a:fontRef>
-        </p:style>
-      </p:cxnSp>
-      <p:cxnSp>
-        <p:nvCxnSpPr>
-          <p:cNvPr id="270" name="Conector angular 269"/>
-          <p:cNvCxnSpPr>
-            <a:stCxn id="267" idx="0"/>
-            <a:endCxn id="268" idx="2"/>
-          </p:cNvCxnSpPr>
-          <p:nvPr/>
-        </p:nvCxnSpPr>
-        <p:spPr>
-          <a:xfrm rot="16200000" flipV="1">
-            <a:off x="7921327" y="4783590"/>
-            <a:ext cx="122687" cy="2332"/>
-          </a:xfrm>
-          <a:prstGeom prst="bentConnector3">
-            <a:avLst>
-              <a:gd name="adj1" fmla="val 50000"/>
-            </a:avLst>
-          </a:prstGeom>
-          <a:ln w="12700">
-            <a:solidFill>
-              <a:schemeClr val="tx1"/>
-            </a:solidFill>
-          </a:ln>
-        </p:spPr>
-        <p:style>
-          <a:lnRef idx="1">
-            <a:schemeClr val="accent1"/>
-          </a:lnRef>
-          <a:fillRef idx="0">
-            <a:schemeClr val="accent1"/>
-          </a:fillRef>
-          <a:effectRef idx="0">
-            <a:schemeClr val="accent1"/>
-          </a:effectRef>
-          <a:fontRef idx="minor">
-            <a:schemeClr val="tx1"/>
-          </a:fontRef>
-        </p:style>
-      </p:cxnSp>
-      <p:cxnSp>
-        <p:nvCxnSpPr>
           <p:cNvPr id="281" name="Conector angular 280"/>
           <p:cNvCxnSpPr>
             <a:stCxn id="184" idx="2"/>
@@ -5525,8 +4506,8 @@
         </p:nvCxnSpPr>
         <p:spPr>
           <a:xfrm rot="16200000" flipH="1">
-            <a:off x="5883143" y="2396820"/>
-            <a:ext cx="154957" cy="11112"/>
+            <a:off x="5528767" y="2560884"/>
+            <a:ext cx="82025" cy="1"/>
           </a:xfrm>
           <a:prstGeom prst="bentConnector3">
             <a:avLst>
@@ -5554,100 +4535,16 @@
           </a:fontRef>
         </p:style>
       </p:cxnSp>
-      <p:cxnSp>
-        <p:nvCxnSpPr>
-          <p:cNvPr id="284" name="Conector angular 283"/>
-          <p:cNvCxnSpPr>
-            <a:stCxn id="287" idx="0"/>
-            <a:endCxn id="164" idx="2"/>
-          </p:cNvCxnSpPr>
-          <p:nvPr/>
-        </p:nvCxnSpPr>
-        <p:spPr>
-          <a:xfrm rot="5400000" flipH="1" flipV="1">
-            <a:off x="4125690" y="5276908"/>
-            <a:ext cx="156912" cy="2332"/>
-          </a:xfrm>
-          <a:prstGeom prst="bentConnector3">
-            <a:avLst>
-              <a:gd name="adj1" fmla="val 50000"/>
-            </a:avLst>
-          </a:prstGeom>
-          <a:ln w="12700">
-            <a:solidFill>
-              <a:schemeClr val="tx1"/>
-            </a:solidFill>
-          </a:ln>
-        </p:spPr>
-        <p:style>
-          <a:lnRef idx="1">
-            <a:schemeClr val="accent1"/>
-          </a:lnRef>
-          <a:fillRef idx="0">
-            <a:schemeClr val="accent1"/>
-          </a:fillRef>
-          <a:effectRef idx="0">
-            <a:schemeClr val="accent1"/>
-          </a:effectRef>
-          <a:fontRef idx="minor">
-            <a:schemeClr val="tx1"/>
-          </a:fontRef>
-        </p:style>
-      </p:cxnSp>
       <p:sp>
         <p:nvSpPr>
-          <p:cNvPr id="287" name="CuadroTexto 286" descr="Conector entre nodos" title="conector"/>
-          <p:cNvSpPr txBox="1"/>
+          <p:cNvPr id="290" name="Rectángulo 289" descr="Nodo de sexto nivel" title="Nodo06"/>
+          <p:cNvSpPr/>
           <p:nvPr/>
         </p:nvSpPr>
         <p:spPr>
           <a:xfrm>
-            <a:off x="3642938" y="5356530"/>
-            <a:ext cx="1120084" cy="230832"/>
-          </a:xfrm>
-          <a:prstGeom prst="rect">
-            <a:avLst/>
-          </a:prstGeom>
-          <a:noFill/>
-        </p:spPr>
-        <p:txBody>
-          <a:bodyPr wrap="square" rtlCol="0">
-            <a:spAutoFit/>
-          </a:bodyPr>
-          <a:lstStyle/>
-          <a:p>
-            <a:pPr algn="ctr"/>
-            <a:r>
-              <a:rPr lang="es-ES" sz="900" dirty="0">
-                <a:latin typeface="Arial" panose="020B0604020202020204" pitchFamily="34" charset="0"/>
-                <a:cs typeface="Arial" panose="020B0604020202020204" pitchFamily="34" charset="0"/>
-              </a:rPr>
-              <a:t>c</a:t>
-            </a:r>
-            <a:r>
-              <a:rPr lang="es-ES" sz="900" dirty="0" smtClean="0">
-                <a:latin typeface="Arial" panose="020B0604020202020204" pitchFamily="34" charset="0"/>
-                <a:cs typeface="Arial" panose="020B0604020202020204" pitchFamily="34" charset="0"/>
-              </a:rPr>
-              <a:t>orresponde a</a:t>
-            </a:r>
-            <a:endParaRPr lang="es-ES" sz="900" dirty="0">
-              <a:latin typeface="Arial" panose="020B0604020202020204" pitchFamily="34" charset="0"/>
-              <a:cs typeface="Arial" panose="020B0604020202020204" pitchFamily="34" charset="0"/>
-            </a:endParaRPr>
-          </a:p>
-        </p:txBody>
-      </p:sp>
-      <p:sp>
-        <p:nvSpPr>
-          <p:cNvPr id="288" name="Rectángulo 287" descr="Nodo de séptimo nivel" title="Nodo07"/>
-          <p:cNvSpPr/>
-          <p:nvPr/>
-        </p:nvSpPr>
-        <p:spPr>
-          <a:xfrm>
-            <a:off x="3642938" y="5678011"/>
-            <a:ext cx="1203382" cy="708059"/>
+            <a:off x="7064106" y="2650127"/>
+            <a:ext cx="1694235" cy="249851"/>
           </a:xfrm>
           <a:prstGeom prst="rect">
             <a:avLst/>
@@ -5680,241 +4577,6 @@
           <a:lstStyle/>
           <a:p>
             <a:pPr algn="ctr"/>
-            <a:r>
-              <a:rPr lang="es-ES" sz="900" dirty="0" smtClean="0">
-                <a:solidFill>
-                  <a:schemeClr val="tx1"/>
-                </a:solidFill>
-                <a:latin typeface="Arial" panose="020B0604020202020204" pitchFamily="34" charset="0"/>
-                <a:cs typeface="Arial" panose="020B0604020202020204" pitchFamily="34" charset="0"/>
-              </a:rPr>
-              <a:t>un caso particular de la ecuación general de segundo grado, como las demás cónicas</a:t>
-            </a:r>
-          </a:p>
-        </p:txBody>
-      </p:sp>
-      <p:cxnSp>
-        <p:nvCxnSpPr>
-          <p:cNvPr id="289" name="Conector angular 288"/>
-          <p:cNvCxnSpPr>
-            <a:stCxn id="288" idx="0"/>
-            <a:endCxn id="287" idx="2"/>
-          </p:cNvCxnSpPr>
-          <p:nvPr/>
-        </p:nvCxnSpPr>
-        <p:spPr>
-          <a:xfrm rot="16200000" flipV="1">
-            <a:off x="4178481" y="5611862"/>
-            <a:ext cx="90649" cy="41649"/>
-          </a:xfrm>
-          <a:prstGeom prst="bentConnector3">
-            <a:avLst>
-              <a:gd name="adj1" fmla="val 50000"/>
-            </a:avLst>
-          </a:prstGeom>
-          <a:ln w="12700">
-            <a:solidFill>
-              <a:schemeClr val="tx1"/>
-            </a:solidFill>
-          </a:ln>
-        </p:spPr>
-        <p:style>
-          <a:lnRef idx="1">
-            <a:schemeClr val="accent1"/>
-          </a:lnRef>
-          <a:fillRef idx="0">
-            <a:schemeClr val="accent1"/>
-          </a:fillRef>
-          <a:effectRef idx="0">
-            <a:schemeClr val="accent1"/>
-          </a:effectRef>
-          <a:fontRef idx="minor">
-            <a:schemeClr val="tx1"/>
-          </a:fontRef>
-        </p:style>
-      </p:cxnSp>
-      <p:sp>
-        <p:nvSpPr>
-          <p:cNvPr id="290" name="Rectángulo 289" descr="Nodo de sexto nivel" title="Nodo06"/>
-          <p:cNvSpPr/>
-          <p:nvPr/>
-        </p:nvSpPr>
-        <p:spPr>
-          <a:xfrm>
-            <a:off x="3605376" y="6476719"/>
-            <a:ext cx="1278506" cy="353519"/>
-          </a:xfrm>
-          <a:prstGeom prst="rect">
-            <a:avLst/>
-          </a:prstGeom>
-          <a:solidFill>
-            <a:schemeClr val="bg1"/>
-          </a:solidFill>
-          <a:ln>
-            <a:solidFill>
-              <a:schemeClr val="tx1"/>
-            </a:solidFill>
-          </a:ln>
-        </p:spPr>
-        <p:style>
-          <a:lnRef idx="2">
-            <a:schemeClr val="accent6"/>
-          </a:lnRef>
-          <a:fillRef idx="1">
-            <a:schemeClr val="lt1"/>
-          </a:fillRef>
-          <a:effectRef idx="0">
-            <a:schemeClr val="accent6"/>
-          </a:effectRef>
-          <a:fontRef idx="minor">
-            <a:schemeClr val="dk1"/>
-          </a:fontRef>
-        </p:style>
-        <p:txBody>
-          <a:bodyPr rtlCol="0" anchor="ctr"/>
-          <a:lstStyle/>
-          <a:p>
-            <a:pPr algn="ctr"/>
-            <a:r>
-              <a:rPr lang="es-CO" sz="900" i="1" dirty="0" smtClean="0">
-                <a:solidFill>
-                  <a:schemeClr val="tx1"/>
-                </a:solidFill>
-                <a:latin typeface="Arial" panose="020B0604020202020204" pitchFamily="34" charset="0"/>
-                <a:cs typeface="Arial" panose="020B0604020202020204" pitchFamily="34" charset="0"/>
-              </a:rPr>
-              <a:t>Ax</a:t>
-            </a:r>
-            <a:r>
-              <a:rPr lang="es-CO" sz="900" baseline="30000" dirty="0" smtClean="0">
-                <a:solidFill>
-                  <a:schemeClr val="tx1"/>
-                </a:solidFill>
-                <a:latin typeface="Arial" panose="020B0604020202020204" pitchFamily="34" charset="0"/>
-                <a:cs typeface="Arial" panose="020B0604020202020204" pitchFamily="34" charset="0"/>
-              </a:rPr>
-              <a:t>2</a:t>
-            </a:r>
-            <a:r>
-              <a:rPr lang="es-CO" sz="900" dirty="0" smtClean="0">
-                <a:solidFill>
-                  <a:schemeClr val="tx1"/>
-                </a:solidFill>
-                <a:latin typeface="Arial" panose="020B0604020202020204" pitchFamily="34" charset="0"/>
-                <a:cs typeface="Arial" panose="020B0604020202020204" pitchFamily="34" charset="0"/>
-              </a:rPr>
-              <a:t> + </a:t>
-            </a:r>
-            <a:r>
-              <a:rPr lang="es-CO" sz="900" i="1" dirty="0" err="1" smtClean="0">
-                <a:solidFill>
-                  <a:schemeClr val="tx1"/>
-                </a:solidFill>
-                <a:latin typeface="Arial" panose="020B0604020202020204" pitchFamily="34" charset="0"/>
-                <a:cs typeface="Arial" panose="020B0604020202020204" pitchFamily="34" charset="0"/>
-              </a:rPr>
-              <a:t>Bxy</a:t>
-            </a:r>
-            <a:r>
-              <a:rPr lang="es-CO" sz="900" dirty="0" smtClean="0">
-                <a:solidFill>
-                  <a:schemeClr val="tx1"/>
-                </a:solidFill>
-                <a:latin typeface="Arial" panose="020B0604020202020204" pitchFamily="34" charset="0"/>
-                <a:cs typeface="Arial" panose="020B0604020202020204" pitchFamily="34" charset="0"/>
-              </a:rPr>
-              <a:t> + </a:t>
-            </a:r>
-            <a:r>
-              <a:rPr lang="es-CO" sz="900" i="1" dirty="0" smtClean="0">
-                <a:solidFill>
-                  <a:schemeClr val="tx1"/>
-                </a:solidFill>
-                <a:latin typeface="Arial" panose="020B0604020202020204" pitchFamily="34" charset="0"/>
-                <a:cs typeface="Arial" panose="020B0604020202020204" pitchFamily="34" charset="0"/>
-              </a:rPr>
-              <a:t>Cy</a:t>
-            </a:r>
-            <a:r>
-              <a:rPr lang="es-CO" sz="900" baseline="30000" dirty="0" smtClean="0">
-                <a:solidFill>
-                  <a:schemeClr val="tx1"/>
-                </a:solidFill>
-                <a:latin typeface="Arial" panose="020B0604020202020204" pitchFamily="34" charset="0"/>
-                <a:cs typeface="Arial" panose="020B0604020202020204" pitchFamily="34" charset="0"/>
-              </a:rPr>
-              <a:t>2</a:t>
-            </a:r>
-            <a:r>
-              <a:rPr lang="es-CO" sz="900" dirty="0" smtClean="0">
-                <a:solidFill>
-                  <a:schemeClr val="tx1"/>
-                </a:solidFill>
-                <a:latin typeface="Arial" panose="020B0604020202020204" pitchFamily="34" charset="0"/>
-                <a:cs typeface="Arial" panose="020B0604020202020204" pitchFamily="34" charset="0"/>
-              </a:rPr>
-              <a:t> + </a:t>
-            </a:r>
-            <a:r>
-              <a:rPr lang="es-CO" sz="900" i="1" dirty="0" err="1" smtClean="0">
-                <a:solidFill>
-                  <a:schemeClr val="tx1"/>
-                </a:solidFill>
-                <a:latin typeface="Arial" panose="020B0604020202020204" pitchFamily="34" charset="0"/>
-                <a:cs typeface="Arial" panose="020B0604020202020204" pitchFamily="34" charset="0"/>
-              </a:rPr>
-              <a:t>Dx</a:t>
-            </a:r>
-            <a:r>
-              <a:rPr lang="es-CO" sz="900" dirty="0" smtClean="0">
-                <a:solidFill>
-                  <a:schemeClr val="tx1"/>
-                </a:solidFill>
-                <a:latin typeface="Arial" panose="020B0604020202020204" pitchFamily="34" charset="0"/>
-                <a:cs typeface="Arial" panose="020B0604020202020204" pitchFamily="34" charset="0"/>
-              </a:rPr>
-              <a:t> + </a:t>
-            </a:r>
-            <a:r>
-              <a:rPr lang="es-CO" sz="900" i="1" dirty="0" err="1" smtClean="0">
-                <a:solidFill>
-                  <a:schemeClr val="tx1"/>
-                </a:solidFill>
-                <a:latin typeface="Arial" panose="020B0604020202020204" pitchFamily="34" charset="0"/>
-                <a:cs typeface="Arial" panose="020B0604020202020204" pitchFamily="34" charset="0"/>
-              </a:rPr>
-              <a:t>Ey</a:t>
-            </a:r>
-            <a:r>
-              <a:rPr lang="es-CO" sz="900" dirty="0" smtClean="0">
-                <a:solidFill>
-                  <a:schemeClr val="tx1"/>
-                </a:solidFill>
-                <a:latin typeface="Arial" panose="020B0604020202020204" pitchFamily="34" charset="0"/>
-                <a:cs typeface="Arial" panose="020B0604020202020204" pitchFamily="34" charset="0"/>
-              </a:rPr>
-              <a:t> +</a:t>
-            </a:r>
-            <a:r>
-              <a:rPr lang="es-CO" sz="900" i="1" dirty="0" smtClean="0">
-                <a:solidFill>
-                  <a:schemeClr val="tx1"/>
-                </a:solidFill>
-                <a:latin typeface="Arial" panose="020B0604020202020204" pitchFamily="34" charset="0"/>
-                <a:cs typeface="Arial" panose="020B0604020202020204" pitchFamily="34" charset="0"/>
-              </a:rPr>
-              <a:t> F</a:t>
-            </a:r>
-            <a:r>
-              <a:rPr lang="es-CO" sz="900" dirty="0" smtClean="0">
-                <a:solidFill>
-                  <a:schemeClr val="tx1"/>
-                </a:solidFill>
-                <a:latin typeface="Arial" panose="020B0604020202020204" pitchFamily="34" charset="0"/>
-                <a:cs typeface="Arial" panose="020B0604020202020204" pitchFamily="34" charset="0"/>
-              </a:rPr>
-              <a:t> = 0</a:t>
-            </a:r>
             <a:endParaRPr lang="es-ES" sz="900" baseline="30000" dirty="0">
               <a:solidFill>
                 <a:schemeClr val="tx1"/>
@@ -5927,17 +4589,438 @@
       </p:sp>
       <p:cxnSp>
         <p:nvCxnSpPr>
-          <p:cNvPr id="291" name="Conector angular 290"/>
-          <p:cNvCxnSpPr>
-            <a:stCxn id="290" idx="0"/>
-            <a:endCxn id="288" idx="2"/>
-          </p:cNvCxnSpPr>
+          <p:cNvPr id="106" name="Conector angular 105"/>
+          <p:cNvCxnSpPr/>
           <p:nvPr/>
         </p:nvCxnSpPr>
         <p:spPr>
+          <a:xfrm rot="5400000">
+            <a:off x="1598900" y="1653236"/>
+            <a:ext cx="140668" cy="1587"/>
+          </a:xfrm>
+          <a:prstGeom prst="bentConnector3">
+            <a:avLst>
+              <a:gd name="adj1" fmla="val -8212"/>
+            </a:avLst>
+          </a:prstGeom>
+          <a:ln w="12700">
+            <a:solidFill>
+              <a:schemeClr val="tx1"/>
+            </a:solidFill>
+          </a:ln>
+        </p:spPr>
+        <p:style>
+          <a:lnRef idx="1">
+            <a:schemeClr val="accent1"/>
+          </a:lnRef>
+          <a:fillRef idx="0">
+            <a:schemeClr val="accent1"/>
+          </a:fillRef>
+          <a:effectRef idx="0">
+            <a:schemeClr val="accent1"/>
+          </a:effectRef>
+          <a:fontRef idx="minor">
+            <a:schemeClr val="tx1"/>
+          </a:fontRef>
+        </p:style>
+      </p:cxnSp>
+      <p:cxnSp>
+        <p:nvCxnSpPr>
+          <p:cNvPr id="170" name="Conector angular 169"/>
+          <p:cNvCxnSpPr/>
+          <p:nvPr/>
+        </p:nvCxnSpPr>
+        <p:spPr>
+          <a:xfrm rot="5400000">
+            <a:off x="1596064" y="1933726"/>
+            <a:ext cx="140668" cy="1587"/>
+          </a:xfrm>
+          <a:prstGeom prst="bentConnector3">
+            <a:avLst>
+              <a:gd name="adj1" fmla="val -8212"/>
+            </a:avLst>
+          </a:prstGeom>
+          <a:ln w="12700">
+            <a:solidFill>
+              <a:schemeClr val="tx1"/>
+            </a:solidFill>
+          </a:ln>
+        </p:spPr>
+        <p:style>
+          <a:lnRef idx="1">
+            <a:schemeClr val="accent1"/>
+          </a:lnRef>
+          <a:fillRef idx="0">
+            <a:schemeClr val="accent1"/>
+          </a:fillRef>
+          <a:effectRef idx="0">
+            <a:schemeClr val="accent1"/>
+          </a:effectRef>
+          <a:fontRef idx="minor">
+            <a:schemeClr val="tx1"/>
+          </a:fontRef>
+        </p:style>
+      </p:cxnSp>
+      <p:cxnSp>
+        <p:nvCxnSpPr>
+          <p:cNvPr id="179" name="Conector angular 178"/>
+          <p:cNvCxnSpPr/>
+          <p:nvPr/>
+        </p:nvCxnSpPr>
+        <p:spPr>
+          <a:xfrm rot="16200000" flipV="1">
+            <a:off x="1556163" y="4932666"/>
+            <a:ext cx="107781" cy="2021"/>
+          </a:xfrm>
+          <a:prstGeom prst="bentConnector3">
+            <a:avLst>
+              <a:gd name="adj1" fmla="val 3571"/>
+            </a:avLst>
+          </a:prstGeom>
+          <a:ln w="12700">
+            <a:solidFill>
+              <a:schemeClr val="tx1"/>
+            </a:solidFill>
+          </a:ln>
+        </p:spPr>
+        <p:style>
+          <a:lnRef idx="1">
+            <a:schemeClr val="accent1"/>
+          </a:lnRef>
+          <a:fillRef idx="0">
+            <a:schemeClr val="accent1"/>
+          </a:fillRef>
+          <a:effectRef idx="0">
+            <a:schemeClr val="accent1"/>
+          </a:effectRef>
+          <a:fontRef idx="minor">
+            <a:schemeClr val="tx1"/>
+          </a:fontRef>
+        </p:style>
+      </p:cxnSp>
+      <p:cxnSp>
+        <p:nvCxnSpPr>
+          <p:cNvPr id="180" name="Conector angular 179"/>
+          <p:cNvCxnSpPr/>
+          <p:nvPr/>
+        </p:nvCxnSpPr>
+        <p:spPr>
+          <a:xfrm rot="16200000" flipV="1">
+            <a:off x="1559519" y="5191040"/>
+            <a:ext cx="107781" cy="2021"/>
+          </a:xfrm>
+          <a:prstGeom prst="bentConnector3">
+            <a:avLst>
+              <a:gd name="adj1" fmla="val 3571"/>
+            </a:avLst>
+          </a:prstGeom>
+          <a:ln w="12700">
+            <a:solidFill>
+              <a:schemeClr val="tx1"/>
+            </a:solidFill>
+          </a:ln>
+        </p:spPr>
+        <p:style>
+          <a:lnRef idx="1">
+            <a:schemeClr val="accent1"/>
+          </a:lnRef>
+          <a:fillRef idx="0">
+            <a:schemeClr val="accent1"/>
+          </a:fillRef>
+          <a:effectRef idx="0">
+            <a:schemeClr val="accent1"/>
+          </a:effectRef>
+          <a:fontRef idx="minor">
+            <a:schemeClr val="tx1"/>
+          </a:fontRef>
+        </p:style>
+      </p:cxnSp>
+      <p:cxnSp>
+        <p:nvCxnSpPr>
+          <p:cNvPr id="185" name="Conector angular 184"/>
+          <p:cNvCxnSpPr/>
+          <p:nvPr/>
+        </p:nvCxnSpPr>
+        <p:spPr>
+          <a:xfrm rot="16200000" flipV="1">
+            <a:off x="1583274" y="3649549"/>
+            <a:ext cx="107781" cy="2021"/>
+          </a:xfrm>
+          <a:prstGeom prst="bentConnector3">
+            <a:avLst>
+              <a:gd name="adj1" fmla="val 3571"/>
+            </a:avLst>
+          </a:prstGeom>
+          <a:ln w="12700">
+            <a:solidFill>
+              <a:schemeClr val="tx1"/>
+            </a:solidFill>
+          </a:ln>
+        </p:spPr>
+        <p:style>
+          <a:lnRef idx="1">
+            <a:schemeClr val="accent1"/>
+          </a:lnRef>
+          <a:fillRef idx="0">
+            <a:schemeClr val="accent1"/>
+          </a:fillRef>
+          <a:effectRef idx="0">
+            <a:schemeClr val="accent1"/>
+          </a:effectRef>
+          <a:fontRef idx="minor">
+            <a:schemeClr val="tx1"/>
+          </a:fontRef>
+        </p:style>
+      </p:cxnSp>
+      <p:cxnSp>
+        <p:nvCxnSpPr>
+          <p:cNvPr id="186" name="Conector angular 185"/>
+          <p:cNvCxnSpPr/>
+          <p:nvPr/>
+        </p:nvCxnSpPr>
+        <p:spPr>
+          <a:xfrm rot="16200000" flipV="1">
+            <a:off x="1585295" y="2846668"/>
+            <a:ext cx="107781" cy="2021"/>
+          </a:xfrm>
+          <a:prstGeom prst="bentConnector3">
+            <a:avLst>
+              <a:gd name="adj1" fmla="val 3571"/>
+            </a:avLst>
+          </a:prstGeom>
+          <a:ln w="12700">
+            <a:solidFill>
+              <a:schemeClr val="tx1"/>
+            </a:solidFill>
+          </a:ln>
+        </p:spPr>
+        <p:style>
+          <a:lnRef idx="1">
+            <a:schemeClr val="accent1"/>
+          </a:lnRef>
+          <a:fillRef idx="0">
+            <a:schemeClr val="accent1"/>
+          </a:fillRef>
+          <a:effectRef idx="0">
+            <a:schemeClr val="accent1"/>
+          </a:effectRef>
+          <a:fontRef idx="minor">
+            <a:schemeClr val="tx1"/>
+          </a:fontRef>
+        </p:style>
+      </p:cxnSp>
+      <p:cxnSp>
+        <p:nvCxnSpPr>
+          <p:cNvPr id="187" name="Conector angular 186"/>
+          <p:cNvCxnSpPr/>
+          <p:nvPr/>
+        </p:nvCxnSpPr>
+        <p:spPr>
+          <a:xfrm rot="16200000" flipV="1">
+            <a:off x="1581253" y="4287022"/>
+            <a:ext cx="107781" cy="2021"/>
+          </a:xfrm>
+          <a:prstGeom prst="bentConnector3">
+            <a:avLst>
+              <a:gd name="adj1" fmla="val 3571"/>
+            </a:avLst>
+          </a:prstGeom>
+          <a:ln w="12700">
+            <a:solidFill>
+              <a:schemeClr val="tx1"/>
+            </a:solidFill>
+          </a:ln>
+        </p:spPr>
+        <p:style>
+          <a:lnRef idx="1">
+            <a:schemeClr val="accent1"/>
+          </a:lnRef>
+          <a:fillRef idx="0">
+            <a:schemeClr val="accent1"/>
+          </a:fillRef>
+          <a:effectRef idx="0">
+            <a:schemeClr val="accent1"/>
+          </a:effectRef>
+          <a:fontRef idx="minor">
+            <a:schemeClr val="tx1"/>
+          </a:fontRef>
+        </p:style>
+      </p:cxnSp>
+      <p:sp>
+        <p:nvSpPr>
+          <p:cNvPr id="188" name="CuadroTexto 187" descr="Conector entre nodos" title="conector"/>
+          <p:cNvSpPr txBox="1"/>
+          <p:nvPr/>
+        </p:nvSpPr>
+        <p:spPr>
+          <a:xfrm>
+            <a:off x="1735697" y="5667103"/>
+            <a:ext cx="1120084" cy="230832"/>
+          </a:xfrm>
+          <a:prstGeom prst="rect">
+            <a:avLst/>
+          </a:prstGeom>
+          <a:noFill/>
+        </p:spPr>
+        <p:txBody>
+          <a:bodyPr wrap="square" rtlCol="0">
+            <a:spAutoFit/>
+          </a:bodyPr>
+          <a:lstStyle/>
+          <a:p>
+            <a:pPr algn="ctr"/>
+            <a:r>
+              <a:rPr lang="es-ES" sz="900" dirty="0" smtClean="0">
+                <a:latin typeface="Arial" panose="020B0604020202020204" pitchFamily="34" charset="0"/>
+                <a:cs typeface="Arial" panose="020B0604020202020204" pitchFamily="34" charset="0"/>
+              </a:rPr>
+              <a:t>se determina con</a:t>
+            </a:r>
+            <a:endParaRPr lang="es-ES" sz="900" dirty="0">
+              <a:latin typeface="Arial" panose="020B0604020202020204" pitchFamily="34" charset="0"/>
+              <a:cs typeface="Arial" panose="020B0604020202020204" pitchFamily="34" charset="0"/>
+            </a:endParaRPr>
+          </a:p>
+        </p:txBody>
+      </p:sp>
+      <p:sp>
+        <p:nvSpPr>
+          <p:cNvPr id="189" name="Rectángulo 188" descr="Nodo de séptimo nivel" title="Nodo07"/>
+          <p:cNvSpPr/>
+          <p:nvPr/>
+        </p:nvSpPr>
+        <p:spPr>
+          <a:xfrm>
+            <a:off x="1697226" y="5968221"/>
+            <a:ext cx="1090956" cy="650525"/>
+          </a:xfrm>
+          <a:prstGeom prst="rect">
+            <a:avLst/>
+          </a:prstGeom>
+          <a:solidFill>
+            <a:schemeClr val="bg1"/>
+          </a:solidFill>
+          <a:ln>
+            <a:solidFill>
+              <a:schemeClr val="tx1"/>
+            </a:solidFill>
+          </a:ln>
+        </p:spPr>
+        <p:style>
+          <a:lnRef idx="2">
+            <a:schemeClr val="accent6"/>
+          </a:lnRef>
+          <a:fillRef idx="1">
+            <a:schemeClr val="lt1"/>
+          </a:fillRef>
+          <a:effectRef idx="0">
+            <a:schemeClr val="accent6"/>
+          </a:effectRef>
+          <a:fontRef idx="minor">
+            <a:schemeClr val="dk1"/>
+          </a:fontRef>
+        </p:style>
+        <p:txBody>
+          <a:bodyPr rtlCol="0" anchor="ctr"/>
+          <a:lstStyle/>
+          <a:p>
+            <a:pPr marL="171450" indent="-171450">
+              <a:buFont typeface="Arial" panose="020B0604020202020204" pitchFamily="34" charset="0"/>
+              <a:buChar char="•"/>
+            </a:pPr>
+            <a:r>
+              <a:rPr lang="es-ES" sz="900" dirty="0" smtClean="0">
+                <a:solidFill>
+                  <a:schemeClr val="tx1"/>
+                </a:solidFill>
+                <a:latin typeface="Arial" panose="020B0604020202020204" pitchFamily="34" charset="0"/>
+                <a:cs typeface="Arial" panose="020B0604020202020204" pitchFamily="34" charset="0"/>
+              </a:rPr>
+              <a:t>una ecuaci</a:t>
+            </a:r>
+            <a:r>
+              <a:rPr lang="es-ES" sz="900" dirty="0" smtClean="0">
+                <a:solidFill>
+                  <a:schemeClr val="tx1"/>
+                </a:solidFill>
+                <a:latin typeface="Arial" panose="020B0604020202020204" pitchFamily="34" charset="0"/>
+                <a:cs typeface="Arial" panose="020B0604020202020204" pitchFamily="34" charset="0"/>
+              </a:rPr>
+              <a:t>ón canónica</a:t>
+            </a:r>
+          </a:p>
+          <a:p>
+            <a:pPr marL="171450" indent="-171450">
+              <a:buFont typeface="Arial" panose="020B0604020202020204" pitchFamily="34" charset="0"/>
+              <a:buChar char="•"/>
+            </a:pPr>
+            <a:r>
+              <a:rPr lang="es-ES" sz="900" dirty="0" smtClean="0">
+                <a:solidFill>
+                  <a:schemeClr val="tx1"/>
+                </a:solidFill>
+                <a:latin typeface="Arial" panose="020B0604020202020204" pitchFamily="34" charset="0"/>
+                <a:cs typeface="Arial" panose="020B0604020202020204" pitchFamily="34" charset="0"/>
+              </a:rPr>
+              <a:t>una ecuación general</a:t>
+            </a:r>
+            <a:endParaRPr lang="es-ES" sz="900" dirty="0">
+              <a:solidFill>
+                <a:schemeClr val="tx1"/>
+              </a:solidFill>
+              <a:latin typeface="Arial" panose="020B0604020202020204" pitchFamily="34" charset="0"/>
+              <a:cs typeface="Arial" panose="020B0604020202020204" pitchFamily="34" charset="0"/>
+            </a:endParaRPr>
+          </a:p>
+        </p:txBody>
+      </p:sp>
+      <p:cxnSp>
+        <p:nvCxnSpPr>
+          <p:cNvPr id="190" name="Conector angular 189"/>
+          <p:cNvCxnSpPr/>
+          <p:nvPr/>
+        </p:nvCxnSpPr>
+        <p:spPr>
+          <a:xfrm rot="16200000" flipV="1">
+            <a:off x="1520972" y="5037240"/>
+            <a:ext cx="6260" cy="1398738"/>
+          </a:xfrm>
+          <a:prstGeom prst="bentConnector3">
+            <a:avLst>
+              <a:gd name="adj1" fmla="val 1062907"/>
+            </a:avLst>
+          </a:prstGeom>
+          <a:ln w="12700">
+            <a:solidFill>
+              <a:schemeClr val="tx1"/>
+            </a:solidFill>
+          </a:ln>
+        </p:spPr>
+        <p:style>
+          <a:lnRef idx="1">
+            <a:schemeClr val="accent1"/>
+          </a:lnRef>
+          <a:fillRef idx="0">
+            <a:schemeClr val="accent1"/>
+          </a:fillRef>
+          <a:effectRef idx="0">
+            <a:schemeClr val="accent1"/>
+          </a:effectRef>
+          <a:fontRef idx="minor">
+            <a:schemeClr val="tx1"/>
+          </a:fontRef>
+        </p:style>
+      </p:cxnSp>
+      <p:cxnSp>
+        <p:nvCxnSpPr>
+          <p:cNvPr id="194" name="Conector angular 193"/>
+          <p:cNvCxnSpPr/>
+          <p:nvPr/>
+        </p:nvCxnSpPr>
+        <p:spPr>
           <a:xfrm rot="5400000" flipH="1" flipV="1">
-            <a:off x="4199305" y="6431395"/>
-            <a:ext cx="90649" cy="12700"/>
+            <a:off x="1578484" y="5632619"/>
+            <a:ext cx="79684" cy="2332"/>
           </a:xfrm>
           <a:prstGeom prst="bentConnector3">
             <a:avLst>
@@ -5965,6 +5048,1637 @@
           </a:fontRef>
         </p:style>
       </p:cxnSp>
+      <p:cxnSp>
+        <p:nvCxnSpPr>
+          <p:cNvPr id="197" name="Conector angular 196"/>
+          <p:cNvCxnSpPr/>
+          <p:nvPr/>
+        </p:nvCxnSpPr>
+        <p:spPr>
+          <a:xfrm rot="16200000" flipV="1">
+            <a:off x="2163026" y="5902886"/>
+            <a:ext cx="107781" cy="2021"/>
+          </a:xfrm>
+          <a:prstGeom prst="bentConnector3">
+            <a:avLst>
+              <a:gd name="adj1" fmla="val 3571"/>
+            </a:avLst>
+          </a:prstGeom>
+          <a:ln w="12700">
+            <a:solidFill>
+              <a:schemeClr val="tx1"/>
+            </a:solidFill>
+          </a:ln>
+        </p:spPr>
+        <p:style>
+          <a:lnRef idx="1">
+            <a:schemeClr val="accent1"/>
+          </a:lnRef>
+          <a:fillRef idx="0">
+            <a:schemeClr val="accent1"/>
+          </a:fillRef>
+          <a:effectRef idx="0">
+            <a:schemeClr val="accent1"/>
+          </a:effectRef>
+          <a:fontRef idx="minor">
+            <a:schemeClr val="tx1"/>
+          </a:fontRef>
+        </p:style>
+      </p:cxnSp>
+      <p:cxnSp>
+        <p:nvCxnSpPr>
+          <p:cNvPr id="200" name="Conector angular 199"/>
+          <p:cNvCxnSpPr/>
+          <p:nvPr/>
+        </p:nvCxnSpPr>
+        <p:spPr>
+          <a:xfrm rot="16200000" flipV="1">
+            <a:off x="766234" y="5885412"/>
+            <a:ext cx="107781" cy="2021"/>
+          </a:xfrm>
+          <a:prstGeom prst="bentConnector3">
+            <a:avLst>
+              <a:gd name="adj1" fmla="val 3571"/>
+            </a:avLst>
+          </a:prstGeom>
+          <a:ln w="12700">
+            <a:solidFill>
+              <a:schemeClr val="tx1"/>
+            </a:solidFill>
+          </a:ln>
+        </p:spPr>
+        <p:style>
+          <a:lnRef idx="1">
+            <a:schemeClr val="accent1"/>
+          </a:lnRef>
+          <a:fillRef idx="0">
+            <a:schemeClr val="accent1"/>
+          </a:fillRef>
+          <a:effectRef idx="0">
+            <a:schemeClr val="accent1"/>
+          </a:effectRef>
+          <a:fontRef idx="minor">
+            <a:schemeClr val="tx1"/>
+          </a:fontRef>
+        </p:style>
+      </p:cxnSp>
+      <p:cxnSp>
+        <p:nvCxnSpPr>
+          <p:cNvPr id="227" name="Conector angular 226"/>
+          <p:cNvCxnSpPr/>
+          <p:nvPr/>
+        </p:nvCxnSpPr>
+        <p:spPr>
+          <a:xfrm rot="16200000" flipV="1">
+            <a:off x="3502585" y="5658057"/>
+            <a:ext cx="131364" cy="4709"/>
+          </a:xfrm>
+          <a:prstGeom prst="bentConnector3">
+            <a:avLst>
+              <a:gd name="adj1" fmla="val 103543"/>
+            </a:avLst>
+          </a:prstGeom>
+          <a:ln w="12700">
+            <a:solidFill>
+              <a:schemeClr val="tx1"/>
+            </a:solidFill>
+          </a:ln>
+        </p:spPr>
+        <p:style>
+          <a:lnRef idx="1">
+            <a:schemeClr val="accent1"/>
+          </a:lnRef>
+          <a:fillRef idx="0">
+            <a:schemeClr val="accent1"/>
+          </a:fillRef>
+          <a:effectRef idx="0">
+            <a:schemeClr val="accent1"/>
+          </a:effectRef>
+          <a:fontRef idx="minor">
+            <a:schemeClr val="tx1"/>
+          </a:fontRef>
+        </p:style>
+      </p:cxnSp>
+      <p:sp>
+        <p:nvSpPr>
+          <p:cNvPr id="352" name="CuadroTexto 351" descr="Conector entre nodos" title="conector"/>
+          <p:cNvSpPr txBox="1"/>
+          <p:nvPr/>
+        </p:nvSpPr>
+        <p:spPr>
+          <a:xfrm>
+            <a:off x="7369448" y="2335685"/>
+            <a:ext cx="1109725" cy="230832"/>
+          </a:xfrm>
+          <a:prstGeom prst="rect">
+            <a:avLst/>
+          </a:prstGeom>
+          <a:noFill/>
+        </p:spPr>
+        <p:txBody>
+          <a:bodyPr wrap="square" rtlCol="0">
+            <a:spAutoFit/>
+          </a:bodyPr>
+          <a:lstStyle/>
+          <a:p>
+            <a:pPr algn="ctr"/>
+            <a:r>
+              <a:rPr lang="es-ES" sz="900" dirty="0" smtClean="0">
+                <a:latin typeface="Arial" panose="020B0604020202020204" pitchFamily="34" charset="0"/>
+                <a:cs typeface="Arial" panose="020B0604020202020204" pitchFamily="34" charset="0"/>
+              </a:rPr>
+              <a:t>definida como</a:t>
+            </a:r>
+            <a:endParaRPr lang="es-ES" sz="900" dirty="0">
+              <a:latin typeface="Arial" panose="020B0604020202020204" pitchFamily="34" charset="0"/>
+              <a:cs typeface="Arial" panose="020B0604020202020204" pitchFamily="34" charset="0"/>
+            </a:endParaRPr>
+          </a:p>
+        </p:txBody>
+      </p:sp>
+      <p:cxnSp>
+        <p:nvCxnSpPr>
+          <p:cNvPr id="353" name="Conector angular 352"/>
+          <p:cNvCxnSpPr/>
+          <p:nvPr/>
+        </p:nvCxnSpPr>
+        <p:spPr>
+          <a:xfrm rot="5400000" flipH="1" flipV="1">
+            <a:off x="7885030" y="2595387"/>
+            <a:ext cx="108049" cy="3094"/>
+          </a:xfrm>
+          <a:prstGeom prst="bentConnector3">
+            <a:avLst>
+              <a:gd name="adj1" fmla="val 87893"/>
+            </a:avLst>
+          </a:prstGeom>
+          <a:ln w="12700">
+            <a:solidFill>
+              <a:schemeClr val="tx1"/>
+            </a:solidFill>
+          </a:ln>
+        </p:spPr>
+        <p:style>
+          <a:lnRef idx="1">
+            <a:schemeClr val="accent1"/>
+          </a:lnRef>
+          <a:fillRef idx="0">
+            <a:schemeClr val="accent1"/>
+          </a:fillRef>
+          <a:effectRef idx="0">
+            <a:schemeClr val="accent1"/>
+          </a:effectRef>
+          <a:fontRef idx="minor">
+            <a:schemeClr val="tx1"/>
+          </a:fontRef>
+        </p:style>
+      </p:cxnSp>
+      <p:cxnSp>
+        <p:nvCxnSpPr>
+          <p:cNvPr id="355" name="Conector angular 354"/>
+          <p:cNvCxnSpPr/>
+          <p:nvPr/>
+        </p:nvCxnSpPr>
+        <p:spPr>
+          <a:xfrm rot="5400000" flipH="1" flipV="1">
+            <a:off x="4863810" y="3185522"/>
+            <a:ext cx="95248" cy="10308"/>
+          </a:xfrm>
+          <a:prstGeom prst="bentConnector3">
+            <a:avLst>
+              <a:gd name="adj1" fmla="val 102539"/>
+            </a:avLst>
+          </a:prstGeom>
+          <a:ln w="12700">
+            <a:solidFill>
+              <a:schemeClr val="tx1"/>
+            </a:solidFill>
+          </a:ln>
+        </p:spPr>
+        <p:style>
+          <a:lnRef idx="1">
+            <a:schemeClr val="accent1"/>
+          </a:lnRef>
+          <a:fillRef idx="0">
+            <a:schemeClr val="accent1"/>
+          </a:fillRef>
+          <a:effectRef idx="0">
+            <a:schemeClr val="accent1"/>
+          </a:effectRef>
+          <a:fontRef idx="minor">
+            <a:schemeClr val="tx1"/>
+          </a:fontRef>
+        </p:style>
+      </p:cxnSp>
+      <p:cxnSp>
+        <p:nvCxnSpPr>
+          <p:cNvPr id="356" name="Conector angular 355"/>
+          <p:cNvCxnSpPr>
+            <a:stCxn id="198" idx="0"/>
+          </p:cNvCxnSpPr>
+          <p:nvPr/>
+        </p:nvCxnSpPr>
+        <p:spPr>
+          <a:xfrm rot="16200000" flipV="1">
+            <a:off x="6170885" y="3190251"/>
+            <a:ext cx="99798" cy="2354"/>
+          </a:xfrm>
+          <a:prstGeom prst="bentConnector3">
+            <a:avLst>
+              <a:gd name="adj1" fmla="val 97752"/>
+            </a:avLst>
+          </a:prstGeom>
+          <a:ln w="12700">
+            <a:solidFill>
+              <a:schemeClr val="tx1"/>
+            </a:solidFill>
+          </a:ln>
+        </p:spPr>
+        <p:style>
+          <a:lnRef idx="1">
+            <a:schemeClr val="accent1"/>
+          </a:lnRef>
+          <a:fillRef idx="0">
+            <a:schemeClr val="accent1"/>
+          </a:fillRef>
+          <a:effectRef idx="0">
+            <a:schemeClr val="accent1"/>
+          </a:effectRef>
+          <a:fontRef idx="minor">
+            <a:schemeClr val="tx1"/>
+          </a:fontRef>
+        </p:style>
+      </p:cxnSp>
+      <p:cxnSp>
+        <p:nvCxnSpPr>
+          <p:cNvPr id="357" name="Conector angular 356"/>
+          <p:cNvCxnSpPr/>
+          <p:nvPr/>
+        </p:nvCxnSpPr>
+        <p:spPr>
+          <a:xfrm rot="16200000" flipV="1">
+            <a:off x="4827365" y="5666132"/>
+            <a:ext cx="131364" cy="4709"/>
+          </a:xfrm>
+          <a:prstGeom prst="bentConnector3">
+            <a:avLst>
+              <a:gd name="adj1" fmla="val 103543"/>
+            </a:avLst>
+          </a:prstGeom>
+          <a:ln w="12700">
+            <a:solidFill>
+              <a:schemeClr val="tx1"/>
+            </a:solidFill>
+          </a:ln>
+        </p:spPr>
+        <p:style>
+          <a:lnRef idx="1">
+            <a:schemeClr val="accent1"/>
+          </a:lnRef>
+          <a:fillRef idx="0">
+            <a:schemeClr val="accent1"/>
+          </a:fillRef>
+          <a:effectRef idx="0">
+            <a:schemeClr val="accent1"/>
+          </a:effectRef>
+          <a:fontRef idx="minor">
+            <a:schemeClr val="tx1"/>
+          </a:fontRef>
+        </p:style>
+      </p:cxnSp>
+      <p:sp>
+        <p:nvSpPr>
+          <p:cNvPr id="359" name="CuadroTexto 358" descr="Conector entre nodos" title="conector"/>
+          <p:cNvSpPr txBox="1"/>
+          <p:nvPr/>
+        </p:nvSpPr>
+        <p:spPr>
+          <a:xfrm>
+            <a:off x="7261413" y="1649238"/>
+            <a:ext cx="1122431" cy="230832"/>
+          </a:xfrm>
+          <a:prstGeom prst="rect">
+            <a:avLst/>
+          </a:prstGeom>
+          <a:noFill/>
+        </p:spPr>
+        <p:txBody>
+          <a:bodyPr wrap="square" rtlCol="0">
+            <a:spAutoFit/>
+          </a:bodyPr>
+          <a:lstStyle/>
+          <a:p>
+            <a:pPr algn="ctr"/>
+            <a:r>
+              <a:rPr lang="es-ES" sz="900" dirty="0" smtClean="0">
+                <a:latin typeface="Arial" panose="020B0604020202020204" pitchFamily="34" charset="0"/>
+                <a:cs typeface="Arial" panose="020B0604020202020204" pitchFamily="34" charset="0"/>
+              </a:rPr>
+              <a:t>se identifican con</a:t>
+            </a:r>
+            <a:endParaRPr lang="es-ES" sz="900" dirty="0">
+              <a:latin typeface="Arial" panose="020B0604020202020204" pitchFamily="34" charset="0"/>
+              <a:cs typeface="Arial" panose="020B0604020202020204" pitchFamily="34" charset="0"/>
+            </a:endParaRPr>
+          </a:p>
+        </p:txBody>
+      </p:sp>
+      <p:sp>
+        <p:nvSpPr>
+          <p:cNvPr id="365" name="Rectángulo 364" descr="Nodo de segundo nivel" title="Nodo02"/>
+          <p:cNvSpPr/>
+          <p:nvPr/>
+        </p:nvSpPr>
+        <p:spPr>
+          <a:xfrm>
+            <a:off x="7450605" y="2014611"/>
+            <a:ext cx="947413" cy="323143"/>
+          </a:xfrm>
+          <a:prstGeom prst="rect">
+            <a:avLst/>
+          </a:prstGeom>
+          <a:solidFill>
+            <a:schemeClr val="bg2">
+              <a:lumMod val="50000"/>
+            </a:schemeClr>
+          </a:solidFill>
+          <a:ln>
+            <a:solidFill>
+              <a:schemeClr val="tx1"/>
+            </a:solidFill>
+          </a:ln>
+        </p:spPr>
+        <p:style>
+          <a:lnRef idx="2">
+            <a:schemeClr val="accent6"/>
+          </a:lnRef>
+          <a:fillRef idx="1">
+            <a:schemeClr val="lt1"/>
+          </a:fillRef>
+          <a:effectRef idx="0">
+            <a:schemeClr val="accent6"/>
+          </a:effectRef>
+          <a:fontRef idx="minor">
+            <a:schemeClr val="dk1"/>
+          </a:fontRef>
+        </p:style>
+        <p:txBody>
+          <a:bodyPr rtlCol="0" anchor="ctr"/>
+          <a:lstStyle/>
+          <a:p>
+            <a:pPr algn="ctr"/>
+            <a:r>
+              <a:rPr lang="es-CO" sz="900" dirty="0" smtClean="0">
+                <a:solidFill>
+                  <a:schemeClr val="bg1"/>
+                </a:solidFill>
+                <a:latin typeface="Arial" panose="020B0604020202020204" pitchFamily="34" charset="0"/>
+                <a:cs typeface="Arial" panose="020B0604020202020204" pitchFamily="34" charset="0"/>
+              </a:rPr>
+              <a:t>la ecuación de segundo grado</a:t>
+            </a:r>
+            <a:endParaRPr lang="es-ES" sz="900" dirty="0">
+              <a:solidFill>
+                <a:schemeClr val="bg1"/>
+              </a:solidFill>
+              <a:latin typeface="Arial" panose="020B0604020202020204" pitchFamily="34" charset="0"/>
+              <a:cs typeface="Arial" panose="020B0604020202020204" pitchFamily="34" charset="0"/>
+            </a:endParaRPr>
+          </a:p>
+        </p:txBody>
+      </p:sp>
+      <p:sp>
+        <p:nvSpPr>
+          <p:cNvPr id="371" name="Rectángulo 370" descr="Nodo de cuarto nivel&#10;" title="Nodo04"/>
+          <p:cNvSpPr/>
+          <p:nvPr/>
+        </p:nvSpPr>
+        <p:spPr>
+          <a:xfrm>
+            <a:off x="2887060" y="3856843"/>
+            <a:ext cx="1263899" cy="931744"/>
+          </a:xfrm>
+          <a:prstGeom prst="rect">
+            <a:avLst/>
+          </a:prstGeom>
+          <a:solidFill>
+            <a:schemeClr val="bg1"/>
+          </a:solidFill>
+          <a:ln>
+            <a:solidFill>
+              <a:schemeClr val="tx1"/>
+            </a:solidFill>
+          </a:ln>
+        </p:spPr>
+        <p:style>
+          <a:lnRef idx="2">
+            <a:schemeClr val="accent6"/>
+          </a:lnRef>
+          <a:fillRef idx="1">
+            <a:schemeClr val="lt1"/>
+          </a:fillRef>
+          <a:effectRef idx="0">
+            <a:schemeClr val="accent6"/>
+          </a:effectRef>
+          <a:fontRef idx="minor">
+            <a:schemeClr val="dk1"/>
+          </a:fontRef>
+        </p:style>
+        <p:txBody>
+          <a:bodyPr rtlCol="0" anchor="ctr"/>
+          <a:lstStyle/>
+          <a:p>
+            <a:pPr algn="ctr"/>
+            <a:r>
+              <a:rPr lang="es-ES" sz="900" dirty="0" smtClean="0">
+                <a:solidFill>
+                  <a:schemeClr val="tx1"/>
+                </a:solidFill>
+                <a:latin typeface="Arial" panose="020B0604020202020204" pitchFamily="34" charset="0"/>
+                <a:cs typeface="Arial" panose="020B0604020202020204" pitchFamily="34" charset="0"/>
+              </a:rPr>
+              <a:t>el conjunto </a:t>
+            </a:r>
+            <a:r>
+              <a:rPr lang="es-ES" sz="900" dirty="0" smtClean="0">
+                <a:solidFill>
+                  <a:schemeClr val="tx1"/>
+                </a:solidFill>
+                <a:latin typeface="Arial" panose="020B0604020202020204" pitchFamily="34" charset="0"/>
+                <a:cs typeface="Arial" panose="020B0604020202020204" pitchFamily="34" charset="0"/>
+              </a:rPr>
+              <a:t>de puntos </a:t>
+            </a:r>
+            <a:r>
+              <a:rPr lang="es-ES" sz="900" dirty="0" smtClean="0">
+                <a:solidFill>
+                  <a:schemeClr val="tx1"/>
+                </a:solidFill>
+                <a:latin typeface="Arial" panose="020B0604020202020204" pitchFamily="34" charset="0"/>
+                <a:cs typeface="Arial" panose="020B0604020202020204" pitchFamily="34" charset="0"/>
+              </a:rPr>
+              <a:t>del plano que están a la misma distancia de un punto fijo llamado centro</a:t>
+            </a:r>
+            <a:endParaRPr lang="es-ES" sz="900" dirty="0">
+              <a:solidFill>
+                <a:schemeClr val="tx1"/>
+              </a:solidFill>
+              <a:latin typeface="Arial" panose="020B0604020202020204" pitchFamily="34" charset="0"/>
+              <a:cs typeface="Arial" panose="020B0604020202020204" pitchFamily="34" charset="0"/>
+            </a:endParaRPr>
+          </a:p>
+        </p:txBody>
+      </p:sp>
+      <p:sp>
+        <p:nvSpPr>
+          <p:cNvPr id="372" name="CuadroTexto 371" descr="Conector entre nodos" title="conector"/>
+          <p:cNvSpPr txBox="1"/>
+          <p:nvPr/>
+        </p:nvSpPr>
+        <p:spPr>
+          <a:xfrm>
+            <a:off x="3097425" y="3521096"/>
+            <a:ext cx="961635" cy="230832"/>
+          </a:xfrm>
+          <a:prstGeom prst="rect">
+            <a:avLst/>
+          </a:prstGeom>
+          <a:noFill/>
+        </p:spPr>
+        <p:txBody>
+          <a:bodyPr wrap="square" rtlCol="0">
+            <a:spAutoFit/>
+          </a:bodyPr>
+          <a:lstStyle/>
+          <a:p>
+            <a:pPr algn="ctr"/>
+            <a:r>
+              <a:rPr lang="es-ES" sz="900" dirty="0" smtClean="0">
+                <a:latin typeface="Arial" panose="020B0604020202020204" pitchFamily="34" charset="0"/>
+                <a:cs typeface="Arial" panose="020B0604020202020204" pitchFamily="34" charset="0"/>
+              </a:rPr>
+              <a:t>se define como</a:t>
+            </a:r>
+            <a:endParaRPr lang="es-ES" sz="900" dirty="0">
+              <a:latin typeface="Arial" panose="020B0604020202020204" pitchFamily="34" charset="0"/>
+              <a:cs typeface="Arial" panose="020B0604020202020204" pitchFamily="34" charset="0"/>
+            </a:endParaRPr>
+          </a:p>
+        </p:txBody>
+      </p:sp>
+      <p:sp>
+        <p:nvSpPr>
+          <p:cNvPr id="380" name="Rectángulo 379" descr="Nodo de cuarto nivel&#10;" title="Nodo04"/>
+          <p:cNvSpPr/>
+          <p:nvPr/>
+        </p:nvSpPr>
+        <p:spPr>
+          <a:xfrm>
+            <a:off x="4213874" y="3860115"/>
+            <a:ext cx="1340268" cy="940021"/>
+          </a:xfrm>
+          <a:prstGeom prst="rect">
+            <a:avLst/>
+          </a:prstGeom>
+          <a:solidFill>
+            <a:schemeClr val="bg1"/>
+          </a:solidFill>
+          <a:ln>
+            <a:solidFill>
+              <a:schemeClr val="tx1"/>
+            </a:solidFill>
+          </a:ln>
+        </p:spPr>
+        <p:style>
+          <a:lnRef idx="2">
+            <a:schemeClr val="accent6"/>
+          </a:lnRef>
+          <a:fillRef idx="1">
+            <a:schemeClr val="lt1"/>
+          </a:fillRef>
+          <a:effectRef idx="0">
+            <a:schemeClr val="accent6"/>
+          </a:effectRef>
+          <a:fontRef idx="minor">
+            <a:schemeClr val="dk1"/>
+          </a:fontRef>
+        </p:style>
+        <p:txBody>
+          <a:bodyPr rtlCol="0" anchor="ctr"/>
+          <a:lstStyle/>
+          <a:p>
+            <a:pPr algn="ctr"/>
+            <a:r>
+              <a:rPr lang="es-ES" sz="900" dirty="0" smtClean="0">
+                <a:solidFill>
+                  <a:schemeClr val="tx1"/>
+                </a:solidFill>
+                <a:latin typeface="Arial" panose="020B0604020202020204" pitchFamily="34" charset="0"/>
+                <a:cs typeface="Arial" panose="020B0604020202020204" pitchFamily="34" charset="0"/>
+              </a:rPr>
+              <a:t>el conjunto </a:t>
+            </a:r>
+            <a:r>
+              <a:rPr lang="es-ES" sz="900" dirty="0" smtClean="0">
+                <a:solidFill>
+                  <a:schemeClr val="tx1"/>
+                </a:solidFill>
+                <a:latin typeface="Arial" panose="020B0604020202020204" pitchFamily="34" charset="0"/>
+                <a:cs typeface="Arial" panose="020B0604020202020204" pitchFamily="34" charset="0"/>
+              </a:rPr>
+              <a:t>de puntos </a:t>
+            </a:r>
+            <a:r>
+              <a:rPr lang="es-ES" sz="900" dirty="0" smtClean="0">
+                <a:solidFill>
+                  <a:schemeClr val="tx1"/>
+                </a:solidFill>
+                <a:latin typeface="Arial" panose="020B0604020202020204" pitchFamily="34" charset="0"/>
+                <a:cs typeface="Arial" panose="020B0604020202020204" pitchFamily="34" charset="0"/>
+              </a:rPr>
+              <a:t>del plano que están a la misma distancia de una recta fija llamado directriz y un punto fijo llamado foco</a:t>
+            </a:r>
+            <a:endParaRPr lang="es-ES" sz="900" dirty="0">
+              <a:solidFill>
+                <a:schemeClr val="tx1"/>
+              </a:solidFill>
+              <a:latin typeface="Arial" panose="020B0604020202020204" pitchFamily="34" charset="0"/>
+              <a:cs typeface="Arial" panose="020B0604020202020204" pitchFamily="34" charset="0"/>
+            </a:endParaRPr>
+          </a:p>
+        </p:txBody>
+      </p:sp>
+      <p:sp>
+        <p:nvSpPr>
+          <p:cNvPr id="381" name="Rectángulo 380" descr="Nodo de cuarto nivel&#10;" title="Nodo04"/>
+          <p:cNvSpPr/>
+          <p:nvPr/>
+        </p:nvSpPr>
+        <p:spPr>
+          <a:xfrm>
+            <a:off x="5645741" y="3864903"/>
+            <a:ext cx="1176516" cy="931514"/>
+          </a:xfrm>
+          <a:prstGeom prst="rect">
+            <a:avLst/>
+          </a:prstGeom>
+          <a:solidFill>
+            <a:schemeClr val="bg1"/>
+          </a:solidFill>
+          <a:ln>
+            <a:solidFill>
+              <a:schemeClr val="tx1"/>
+            </a:solidFill>
+          </a:ln>
+        </p:spPr>
+        <p:style>
+          <a:lnRef idx="2">
+            <a:schemeClr val="accent6"/>
+          </a:lnRef>
+          <a:fillRef idx="1">
+            <a:schemeClr val="lt1"/>
+          </a:fillRef>
+          <a:effectRef idx="0">
+            <a:schemeClr val="accent6"/>
+          </a:effectRef>
+          <a:fontRef idx="minor">
+            <a:schemeClr val="dk1"/>
+          </a:fontRef>
+        </p:style>
+        <p:txBody>
+          <a:bodyPr rtlCol="0" anchor="ctr"/>
+          <a:lstStyle/>
+          <a:p>
+            <a:pPr algn="ctr"/>
+            <a:r>
+              <a:rPr lang="es-ES" sz="900" dirty="0" smtClean="0">
+                <a:solidFill>
+                  <a:schemeClr val="tx1"/>
+                </a:solidFill>
+                <a:latin typeface="Arial" panose="020B0604020202020204" pitchFamily="34" charset="0"/>
+                <a:cs typeface="Arial" panose="020B0604020202020204" pitchFamily="34" charset="0"/>
+              </a:rPr>
+              <a:t>el conjuntos </a:t>
+            </a:r>
+            <a:r>
+              <a:rPr lang="es-ES" sz="900" dirty="0" smtClean="0">
+                <a:solidFill>
+                  <a:schemeClr val="tx1"/>
+                </a:solidFill>
+                <a:latin typeface="Arial" panose="020B0604020202020204" pitchFamily="34" charset="0"/>
+                <a:cs typeface="Arial" panose="020B0604020202020204" pitchFamily="34" charset="0"/>
+              </a:rPr>
+              <a:t>de puntos </a:t>
+            </a:r>
+            <a:r>
+              <a:rPr lang="es-ES" sz="900" dirty="0" smtClean="0">
+                <a:solidFill>
+                  <a:schemeClr val="tx1"/>
+                </a:solidFill>
+                <a:latin typeface="Arial" panose="020B0604020202020204" pitchFamily="34" charset="0"/>
+                <a:cs typeface="Arial" panose="020B0604020202020204" pitchFamily="34" charset="0"/>
+              </a:rPr>
+              <a:t>del plano que están a la misma distancia de una punto fijo llamado centro</a:t>
+            </a:r>
+            <a:endParaRPr lang="es-ES" sz="900" dirty="0">
+              <a:solidFill>
+                <a:schemeClr val="tx1"/>
+              </a:solidFill>
+              <a:latin typeface="Arial" panose="020B0604020202020204" pitchFamily="34" charset="0"/>
+              <a:cs typeface="Arial" panose="020B0604020202020204" pitchFamily="34" charset="0"/>
+            </a:endParaRPr>
+          </a:p>
+        </p:txBody>
+      </p:sp>
+      <p:sp>
+        <p:nvSpPr>
+          <p:cNvPr id="382" name="Rectángulo 381" descr="Nodo de cuarto nivel&#10;" title="Nodo04"/>
+          <p:cNvSpPr/>
+          <p:nvPr/>
+        </p:nvSpPr>
+        <p:spPr>
+          <a:xfrm>
+            <a:off x="6913247" y="3861467"/>
+            <a:ext cx="1361181" cy="949151"/>
+          </a:xfrm>
+          <a:prstGeom prst="rect">
+            <a:avLst/>
+          </a:prstGeom>
+          <a:solidFill>
+            <a:schemeClr val="bg1"/>
+          </a:solidFill>
+          <a:ln>
+            <a:solidFill>
+              <a:schemeClr val="tx1"/>
+            </a:solidFill>
+          </a:ln>
+        </p:spPr>
+        <p:style>
+          <a:lnRef idx="2">
+            <a:schemeClr val="accent6"/>
+          </a:lnRef>
+          <a:fillRef idx="1">
+            <a:schemeClr val="lt1"/>
+          </a:fillRef>
+          <a:effectRef idx="0">
+            <a:schemeClr val="accent6"/>
+          </a:effectRef>
+          <a:fontRef idx="minor">
+            <a:schemeClr val="dk1"/>
+          </a:fontRef>
+        </p:style>
+        <p:txBody>
+          <a:bodyPr rtlCol="0" anchor="ctr"/>
+          <a:lstStyle/>
+          <a:p>
+            <a:pPr algn="ctr"/>
+            <a:r>
+              <a:rPr lang="es-ES" sz="900" dirty="0" smtClean="0">
+                <a:solidFill>
+                  <a:schemeClr val="tx1"/>
+                </a:solidFill>
+                <a:latin typeface="Arial" panose="020B0604020202020204" pitchFamily="34" charset="0"/>
+                <a:cs typeface="Arial" panose="020B0604020202020204" pitchFamily="34" charset="0"/>
+              </a:rPr>
+              <a:t>el conjuntos </a:t>
+            </a:r>
+            <a:r>
+              <a:rPr lang="es-ES" sz="900" dirty="0" smtClean="0">
+                <a:solidFill>
+                  <a:schemeClr val="tx1"/>
+                </a:solidFill>
+                <a:latin typeface="Arial" panose="020B0604020202020204" pitchFamily="34" charset="0"/>
+                <a:cs typeface="Arial" panose="020B0604020202020204" pitchFamily="34" charset="0"/>
+              </a:rPr>
+              <a:t>de puntos </a:t>
+            </a:r>
+            <a:r>
+              <a:rPr lang="es-ES" sz="900" dirty="0" smtClean="0">
+                <a:solidFill>
+                  <a:schemeClr val="tx1"/>
+                </a:solidFill>
+                <a:latin typeface="Arial" panose="020B0604020202020204" pitchFamily="34" charset="0"/>
+                <a:cs typeface="Arial" panose="020B0604020202020204" pitchFamily="34" charset="0"/>
+              </a:rPr>
+              <a:t>del plano tales que la diferencia de las distancias a dos puntos fijos llamados focos es una constante positiva</a:t>
+            </a:r>
+            <a:endParaRPr lang="es-ES" sz="900" dirty="0">
+              <a:solidFill>
+                <a:schemeClr val="tx1"/>
+              </a:solidFill>
+              <a:latin typeface="Arial" panose="020B0604020202020204" pitchFamily="34" charset="0"/>
+              <a:cs typeface="Arial" panose="020B0604020202020204" pitchFamily="34" charset="0"/>
+            </a:endParaRPr>
+          </a:p>
+        </p:txBody>
+      </p:sp>
+      <p:cxnSp>
+        <p:nvCxnSpPr>
+          <p:cNvPr id="384" name="Conector angular 383"/>
+          <p:cNvCxnSpPr/>
+          <p:nvPr/>
+        </p:nvCxnSpPr>
+        <p:spPr>
+          <a:xfrm>
+            <a:off x="6988975" y="1541315"/>
+            <a:ext cx="935338" cy="126069"/>
+          </a:xfrm>
+          <a:prstGeom prst="bentConnector3">
+            <a:avLst>
+              <a:gd name="adj1" fmla="val 99449"/>
+            </a:avLst>
+          </a:prstGeom>
+          <a:ln w="12700">
+            <a:solidFill>
+              <a:schemeClr val="tx1"/>
+            </a:solidFill>
+          </a:ln>
+        </p:spPr>
+        <p:style>
+          <a:lnRef idx="1">
+            <a:schemeClr val="accent1"/>
+          </a:lnRef>
+          <a:fillRef idx="0">
+            <a:schemeClr val="accent1"/>
+          </a:fillRef>
+          <a:effectRef idx="0">
+            <a:schemeClr val="accent1"/>
+          </a:effectRef>
+          <a:fontRef idx="minor">
+            <a:schemeClr val="tx1"/>
+          </a:fontRef>
+        </p:style>
+      </p:cxnSp>
+      <p:cxnSp>
+        <p:nvCxnSpPr>
+          <p:cNvPr id="392" name="Conector angular 391"/>
+          <p:cNvCxnSpPr/>
+          <p:nvPr/>
+        </p:nvCxnSpPr>
+        <p:spPr>
+          <a:xfrm rot="16200000" flipV="1">
+            <a:off x="3571707" y="3501346"/>
+            <a:ext cx="131364" cy="4709"/>
+          </a:xfrm>
+          <a:prstGeom prst="bentConnector3">
+            <a:avLst>
+              <a:gd name="adj1" fmla="val 103543"/>
+            </a:avLst>
+          </a:prstGeom>
+          <a:ln w="12700">
+            <a:solidFill>
+              <a:schemeClr val="tx1"/>
+            </a:solidFill>
+          </a:ln>
+        </p:spPr>
+        <p:style>
+          <a:lnRef idx="1">
+            <a:schemeClr val="accent1"/>
+          </a:lnRef>
+          <a:fillRef idx="0">
+            <a:schemeClr val="accent1"/>
+          </a:fillRef>
+          <a:effectRef idx="0">
+            <a:schemeClr val="accent1"/>
+          </a:effectRef>
+          <a:fontRef idx="minor">
+            <a:schemeClr val="tx1"/>
+          </a:fontRef>
+        </p:style>
+      </p:cxnSp>
+      <p:cxnSp>
+        <p:nvCxnSpPr>
+          <p:cNvPr id="393" name="Conector angular 392"/>
+          <p:cNvCxnSpPr/>
+          <p:nvPr/>
+        </p:nvCxnSpPr>
+        <p:spPr>
+          <a:xfrm rot="16200000" flipV="1">
+            <a:off x="3563830" y="3782904"/>
+            <a:ext cx="131364" cy="4709"/>
+          </a:xfrm>
+          <a:prstGeom prst="bentConnector3">
+            <a:avLst>
+              <a:gd name="adj1" fmla="val 110"/>
+            </a:avLst>
+          </a:prstGeom>
+          <a:ln w="12700">
+            <a:solidFill>
+              <a:schemeClr val="tx1"/>
+            </a:solidFill>
+          </a:ln>
+        </p:spPr>
+        <p:style>
+          <a:lnRef idx="1">
+            <a:schemeClr val="accent1"/>
+          </a:lnRef>
+          <a:fillRef idx="0">
+            <a:schemeClr val="accent1"/>
+          </a:fillRef>
+          <a:effectRef idx="0">
+            <a:schemeClr val="accent1"/>
+          </a:effectRef>
+          <a:fontRef idx="minor">
+            <a:schemeClr val="tx1"/>
+          </a:fontRef>
+        </p:style>
+      </p:cxnSp>
+      <p:cxnSp>
+        <p:nvCxnSpPr>
+          <p:cNvPr id="395" name="Conector angular 394"/>
+          <p:cNvCxnSpPr/>
+          <p:nvPr/>
+        </p:nvCxnSpPr>
+        <p:spPr>
+          <a:xfrm rot="16200000" flipV="1">
+            <a:off x="3514914" y="4857689"/>
+            <a:ext cx="131364" cy="4709"/>
+          </a:xfrm>
+          <a:prstGeom prst="bentConnector3">
+            <a:avLst>
+              <a:gd name="adj1" fmla="val 110"/>
+            </a:avLst>
+          </a:prstGeom>
+          <a:ln w="12700">
+            <a:solidFill>
+              <a:schemeClr val="tx1"/>
+            </a:solidFill>
+          </a:ln>
+        </p:spPr>
+        <p:style>
+          <a:lnRef idx="1">
+            <a:schemeClr val="accent1"/>
+          </a:lnRef>
+          <a:fillRef idx="0">
+            <a:schemeClr val="accent1"/>
+          </a:fillRef>
+          <a:effectRef idx="0">
+            <a:schemeClr val="accent1"/>
+          </a:effectRef>
+          <a:fontRef idx="minor">
+            <a:schemeClr val="tx1"/>
+          </a:fontRef>
+        </p:style>
+      </p:cxnSp>
+      <p:sp>
+        <p:nvSpPr>
+          <p:cNvPr id="397" name="CuadroTexto 396" descr="Conector entre nodos" title="conector"/>
+          <p:cNvSpPr txBox="1"/>
+          <p:nvPr/>
+        </p:nvSpPr>
+        <p:spPr>
+          <a:xfrm>
+            <a:off x="4365119" y="4857616"/>
+            <a:ext cx="961635" cy="230832"/>
+          </a:xfrm>
+          <a:prstGeom prst="rect">
+            <a:avLst/>
+          </a:prstGeom>
+          <a:noFill/>
+        </p:spPr>
+        <p:txBody>
+          <a:bodyPr wrap="square" rtlCol="0">
+            <a:spAutoFit/>
+          </a:bodyPr>
+          <a:lstStyle/>
+          <a:p>
+            <a:pPr algn="ctr"/>
+            <a:r>
+              <a:rPr lang="es-ES" sz="900" dirty="0" smtClean="0">
+                <a:latin typeface="Arial" panose="020B0604020202020204" pitchFamily="34" charset="0"/>
+                <a:cs typeface="Arial" panose="020B0604020202020204" pitchFamily="34" charset="0"/>
+              </a:rPr>
+              <a:t>su ecuación es</a:t>
+            </a:r>
+            <a:endParaRPr lang="es-ES" sz="900" dirty="0">
+              <a:latin typeface="Arial" panose="020B0604020202020204" pitchFamily="34" charset="0"/>
+              <a:cs typeface="Arial" panose="020B0604020202020204" pitchFamily="34" charset="0"/>
+            </a:endParaRPr>
+          </a:p>
+        </p:txBody>
+      </p:sp>
+      <p:cxnSp>
+        <p:nvCxnSpPr>
+          <p:cNvPr id="400" name="Conector angular 399"/>
+          <p:cNvCxnSpPr/>
+          <p:nvPr/>
+        </p:nvCxnSpPr>
+        <p:spPr>
+          <a:xfrm rot="16200000" flipV="1">
+            <a:off x="4818322" y="4865579"/>
+            <a:ext cx="131364" cy="4709"/>
+          </a:xfrm>
+          <a:prstGeom prst="bentConnector3">
+            <a:avLst>
+              <a:gd name="adj1" fmla="val 103543"/>
+            </a:avLst>
+          </a:prstGeom>
+          <a:ln w="12700">
+            <a:solidFill>
+              <a:schemeClr val="tx1"/>
+            </a:solidFill>
+          </a:ln>
+        </p:spPr>
+        <p:style>
+          <a:lnRef idx="1">
+            <a:schemeClr val="accent1"/>
+          </a:lnRef>
+          <a:fillRef idx="0">
+            <a:schemeClr val="accent1"/>
+          </a:fillRef>
+          <a:effectRef idx="0">
+            <a:schemeClr val="accent1"/>
+          </a:effectRef>
+          <a:fontRef idx="minor">
+            <a:schemeClr val="tx1"/>
+          </a:fontRef>
+        </p:style>
+      </p:cxnSp>
+      <p:cxnSp>
+        <p:nvCxnSpPr>
+          <p:cNvPr id="401" name="Conector angular 400"/>
+          <p:cNvCxnSpPr/>
+          <p:nvPr/>
+        </p:nvCxnSpPr>
+        <p:spPr>
+          <a:xfrm rot="16200000" flipV="1">
+            <a:off x="4833169" y="5115767"/>
+            <a:ext cx="95677" cy="579"/>
+          </a:xfrm>
+          <a:prstGeom prst="bentConnector3">
+            <a:avLst>
+              <a:gd name="adj1" fmla="val 50000"/>
+            </a:avLst>
+          </a:prstGeom>
+          <a:ln w="12700">
+            <a:solidFill>
+              <a:schemeClr val="tx1"/>
+            </a:solidFill>
+          </a:ln>
+        </p:spPr>
+        <p:style>
+          <a:lnRef idx="1">
+            <a:schemeClr val="accent1"/>
+          </a:lnRef>
+          <a:fillRef idx="0">
+            <a:schemeClr val="accent1"/>
+          </a:fillRef>
+          <a:effectRef idx="0">
+            <a:schemeClr val="accent1"/>
+          </a:effectRef>
+          <a:fontRef idx="minor">
+            <a:schemeClr val="tx1"/>
+          </a:fontRef>
+        </p:style>
+      </p:cxnSp>
+      <p:cxnSp>
+        <p:nvCxnSpPr>
+          <p:cNvPr id="402" name="Conector angular 401"/>
+          <p:cNvCxnSpPr/>
+          <p:nvPr/>
+        </p:nvCxnSpPr>
+        <p:spPr>
+          <a:xfrm rot="16200000" flipV="1">
+            <a:off x="4842953" y="3775405"/>
+            <a:ext cx="131364" cy="4709"/>
+          </a:xfrm>
+          <a:prstGeom prst="bentConnector3">
+            <a:avLst>
+              <a:gd name="adj1" fmla="val 103543"/>
+            </a:avLst>
+          </a:prstGeom>
+          <a:ln w="12700">
+            <a:solidFill>
+              <a:schemeClr val="tx1"/>
+            </a:solidFill>
+          </a:ln>
+        </p:spPr>
+        <p:style>
+          <a:lnRef idx="1">
+            <a:schemeClr val="accent1"/>
+          </a:lnRef>
+          <a:fillRef idx="0">
+            <a:schemeClr val="accent1"/>
+          </a:fillRef>
+          <a:effectRef idx="0">
+            <a:schemeClr val="accent1"/>
+          </a:effectRef>
+          <a:fontRef idx="minor">
+            <a:schemeClr val="tx1"/>
+          </a:fontRef>
+        </p:style>
+      </p:cxnSp>
+      <p:cxnSp>
+        <p:nvCxnSpPr>
+          <p:cNvPr id="403" name="Conector angular 402"/>
+          <p:cNvCxnSpPr/>
+          <p:nvPr/>
+        </p:nvCxnSpPr>
+        <p:spPr>
+          <a:xfrm rot="16200000" flipV="1">
+            <a:off x="4838804" y="3508768"/>
+            <a:ext cx="131364" cy="4709"/>
+          </a:xfrm>
+          <a:prstGeom prst="bentConnector3">
+            <a:avLst>
+              <a:gd name="adj1" fmla="val 103543"/>
+            </a:avLst>
+          </a:prstGeom>
+          <a:ln w="12700">
+            <a:solidFill>
+              <a:schemeClr val="tx1"/>
+            </a:solidFill>
+          </a:ln>
+        </p:spPr>
+        <p:style>
+          <a:lnRef idx="1">
+            <a:schemeClr val="accent1"/>
+          </a:lnRef>
+          <a:fillRef idx="0">
+            <a:schemeClr val="accent1"/>
+          </a:fillRef>
+          <a:effectRef idx="0">
+            <a:schemeClr val="accent1"/>
+          </a:effectRef>
+          <a:fontRef idx="minor">
+            <a:schemeClr val="tx1"/>
+          </a:fontRef>
+        </p:style>
+      </p:cxnSp>
+      <p:cxnSp>
+        <p:nvCxnSpPr>
+          <p:cNvPr id="407" name="Conector angular 406"/>
+          <p:cNvCxnSpPr/>
+          <p:nvPr/>
+        </p:nvCxnSpPr>
+        <p:spPr>
+          <a:xfrm rot="16200000" flipV="1">
+            <a:off x="6170749" y="3793434"/>
+            <a:ext cx="131364" cy="4709"/>
+          </a:xfrm>
+          <a:prstGeom prst="bentConnector3">
+            <a:avLst>
+              <a:gd name="adj1" fmla="val 103543"/>
+            </a:avLst>
+          </a:prstGeom>
+          <a:ln w="12700">
+            <a:solidFill>
+              <a:schemeClr val="tx1"/>
+            </a:solidFill>
+          </a:ln>
+        </p:spPr>
+        <p:style>
+          <a:lnRef idx="1">
+            <a:schemeClr val="accent1"/>
+          </a:lnRef>
+          <a:fillRef idx="0">
+            <a:schemeClr val="accent1"/>
+          </a:fillRef>
+          <a:effectRef idx="0">
+            <a:schemeClr val="accent1"/>
+          </a:effectRef>
+          <a:fontRef idx="minor">
+            <a:schemeClr val="tx1"/>
+          </a:fontRef>
+        </p:style>
+      </p:cxnSp>
+      <p:sp>
+        <p:nvSpPr>
+          <p:cNvPr id="409" name="CuadroTexto 408" descr="Conector entre nodos" title="conector"/>
+          <p:cNvSpPr txBox="1"/>
+          <p:nvPr/>
+        </p:nvSpPr>
+        <p:spPr>
+          <a:xfrm>
+            <a:off x="5828731" y="4867933"/>
+            <a:ext cx="961635" cy="230832"/>
+          </a:xfrm>
+          <a:prstGeom prst="rect">
+            <a:avLst/>
+          </a:prstGeom>
+          <a:noFill/>
+        </p:spPr>
+        <p:txBody>
+          <a:bodyPr wrap="square" rtlCol="0">
+            <a:spAutoFit/>
+          </a:bodyPr>
+          <a:lstStyle/>
+          <a:p>
+            <a:pPr algn="ctr"/>
+            <a:r>
+              <a:rPr lang="es-ES" sz="900" dirty="0" smtClean="0">
+                <a:latin typeface="Arial" panose="020B0604020202020204" pitchFamily="34" charset="0"/>
+                <a:cs typeface="Arial" panose="020B0604020202020204" pitchFamily="34" charset="0"/>
+              </a:rPr>
+              <a:t>su ecuación es</a:t>
+            </a:r>
+            <a:endParaRPr lang="es-ES" sz="900" dirty="0">
+              <a:latin typeface="Arial" panose="020B0604020202020204" pitchFamily="34" charset="0"/>
+              <a:cs typeface="Arial" panose="020B0604020202020204" pitchFamily="34" charset="0"/>
+            </a:endParaRPr>
+          </a:p>
+        </p:txBody>
+      </p:sp>
+      <p:cxnSp>
+        <p:nvCxnSpPr>
+          <p:cNvPr id="413" name="Conector angular 412"/>
+          <p:cNvCxnSpPr/>
+          <p:nvPr/>
+        </p:nvCxnSpPr>
+        <p:spPr>
+          <a:xfrm rot="16200000" flipV="1">
+            <a:off x="6244242" y="4873946"/>
+            <a:ext cx="131364" cy="4709"/>
+          </a:xfrm>
+          <a:prstGeom prst="bentConnector3">
+            <a:avLst>
+              <a:gd name="adj1" fmla="val 103543"/>
+            </a:avLst>
+          </a:prstGeom>
+          <a:ln w="12700">
+            <a:solidFill>
+              <a:schemeClr val="tx1"/>
+            </a:solidFill>
+          </a:ln>
+        </p:spPr>
+        <p:style>
+          <a:lnRef idx="1">
+            <a:schemeClr val="accent1"/>
+          </a:lnRef>
+          <a:fillRef idx="0">
+            <a:schemeClr val="accent1"/>
+          </a:fillRef>
+          <a:effectRef idx="0">
+            <a:schemeClr val="accent1"/>
+          </a:effectRef>
+          <a:fontRef idx="minor">
+            <a:schemeClr val="tx1"/>
+          </a:fontRef>
+        </p:style>
+      </p:cxnSp>
+      <p:cxnSp>
+        <p:nvCxnSpPr>
+          <p:cNvPr id="414" name="Conector angular 413"/>
+          <p:cNvCxnSpPr/>
+          <p:nvPr/>
+        </p:nvCxnSpPr>
+        <p:spPr>
+          <a:xfrm rot="16200000" flipV="1">
+            <a:off x="6269809" y="5103821"/>
+            <a:ext cx="95677" cy="579"/>
+          </a:xfrm>
+          <a:prstGeom prst="bentConnector3">
+            <a:avLst>
+              <a:gd name="adj1" fmla="val 50000"/>
+            </a:avLst>
+          </a:prstGeom>
+          <a:ln w="12700">
+            <a:solidFill>
+              <a:schemeClr val="tx1"/>
+            </a:solidFill>
+          </a:ln>
+        </p:spPr>
+        <p:style>
+          <a:lnRef idx="1">
+            <a:schemeClr val="accent1"/>
+          </a:lnRef>
+          <a:fillRef idx="0">
+            <a:schemeClr val="accent1"/>
+          </a:fillRef>
+          <a:effectRef idx="0">
+            <a:schemeClr val="accent1"/>
+          </a:effectRef>
+          <a:fontRef idx="minor">
+            <a:schemeClr val="tx1"/>
+          </a:fontRef>
+        </p:style>
+      </p:cxnSp>
+      <p:cxnSp>
+        <p:nvCxnSpPr>
+          <p:cNvPr id="415" name="Conector angular 414"/>
+          <p:cNvCxnSpPr/>
+          <p:nvPr/>
+        </p:nvCxnSpPr>
+        <p:spPr>
+          <a:xfrm rot="16200000" flipV="1">
+            <a:off x="6264730" y="5648023"/>
+            <a:ext cx="95677" cy="579"/>
+          </a:xfrm>
+          <a:prstGeom prst="bentConnector3">
+            <a:avLst>
+              <a:gd name="adj1" fmla="val -26764"/>
+            </a:avLst>
+          </a:prstGeom>
+          <a:ln w="12700">
+            <a:solidFill>
+              <a:schemeClr val="tx1"/>
+            </a:solidFill>
+          </a:ln>
+        </p:spPr>
+        <p:style>
+          <a:lnRef idx="1">
+            <a:schemeClr val="accent1"/>
+          </a:lnRef>
+          <a:fillRef idx="0">
+            <a:schemeClr val="accent1"/>
+          </a:fillRef>
+          <a:effectRef idx="0">
+            <a:schemeClr val="accent1"/>
+          </a:effectRef>
+          <a:fontRef idx="minor">
+            <a:schemeClr val="tx1"/>
+          </a:fontRef>
+        </p:style>
+      </p:cxnSp>
+      <p:pic>
+        <p:nvPicPr>
+          <p:cNvPr id="204" name="Imagen 203"/>
+          <p:cNvPicPr>
+            <a:picLocks noChangeAspect="1"/>
+          </p:cNvPicPr>
+          <p:nvPr/>
+        </p:nvPicPr>
+        <p:blipFill>
+          <a:blip r:embed="rId2" cstate="print">
+            <a:extLst>
+              <a:ext uri="{28A0092B-C50C-407E-A947-70E740481C1C}">
+                <a14:useLocalDpi xmlns:a14="http://schemas.microsoft.com/office/drawing/2010/main" val="0"/>
+              </a:ext>
+            </a:extLst>
+          </a:blip>
+          <a:stretch>
+            <a:fillRect/>
+          </a:stretch>
+        </p:blipFill>
+        <p:spPr>
+          <a:xfrm>
+            <a:off x="5836882" y="5210615"/>
+            <a:ext cx="882965" cy="347637"/>
+          </a:xfrm>
+          <a:prstGeom prst="rect">
+            <a:avLst/>
+          </a:prstGeom>
+        </p:spPr>
+      </p:pic>
+      <p:cxnSp>
+        <p:nvCxnSpPr>
+          <p:cNvPr id="416" name="Conector angular 415"/>
+          <p:cNvCxnSpPr/>
+          <p:nvPr/>
+        </p:nvCxnSpPr>
+        <p:spPr>
+          <a:xfrm rot="16200000" flipV="1">
+            <a:off x="7447516" y="3793276"/>
+            <a:ext cx="131364" cy="4709"/>
+          </a:xfrm>
+          <a:prstGeom prst="bentConnector3">
+            <a:avLst>
+              <a:gd name="adj1" fmla="val 103543"/>
+            </a:avLst>
+          </a:prstGeom>
+          <a:ln w="12700">
+            <a:solidFill>
+              <a:schemeClr val="tx1"/>
+            </a:solidFill>
+          </a:ln>
+        </p:spPr>
+        <p:style>
+          <a:lnRef idx="1">
+            <a:schemeClr val="accent1"/>
+          </a:lnRef>
+          <a:fillRef idx="0">
+            <a:schemeClr val="accent1"/>
+          </a:fillRef>
+          <a:effectRef idx="0">
+            <a:schemeClr val="accent1"/>
+          </a:effectRef>
+          <a:fontRef idx="minor">
+            <a:schemeClr val="tx1"/>
+          </a:fontRef>
+        </p:style>
+      </p:cxnSp>
+      <p:cxnSp>
+        <p:nvCxnSpPr>
+          <p:cNvPr id="417" name="Conector angular 416"/>
+          <p:cNvCxnSpPr/>
+          <p:nvPr/>
+        </p:nvCxnSpPr>
+        <p:spPr>
+          <a:xfrm rot="16200000" flipV="1">
+            <a:off x="7565524" y="4875028"/>
+            <a:ext cx="131364" cy="4709"/>
+          </a:xfrm>
+          <a:prstGeom prst="bentConnector3">
+            <a:avLst>
+              <a:gd name="adj1" fmla="val 103543"/>
+            </a:avLst>
+          </a:prstGeom>
+          <a:ln w="12700">
+            <a:solidFill>
+              <a:schemeClr val="tx1"/>
+            </a:solidFill>
+          </a:ln>
+        </p:spPr>
+        <p:style>
+          <a:lnRef idx="1">
+            <a:schemeClr val="accent1"/>
+          </a:lnRef>
+          <a:fillRef idx="0">
+            <a:schemeClr val="accent1"/>
+          </a:fillRef>
+          <a:effectRef idx="0">
+            <a:schemeClr val="accent1"/>
+          </a:effectRef>
+          <a:fontRef idx="minor">
+            <a:schemeClr val="tx1"/>
+          </a:fontRef>
+        </p:style>
+      </p:cxnSp>
+      <p:sp>
+        <p:nvSpPr>
+          <p:cNvPr id="418" name="CuadroTexto 417" descr="Conector entre nodos" title="conector"/>
+          <p:cNvSpPr txBox="1"/>
+          <p:nvPr/>
+        </p:nvSpPr>
+        <p:spPr>
+          <a:xfrm>
+            <a:off x="7131643" y="4895310"/>
+            <a:ext cx="961635" cy="230832"/>
+          </a:xfrm>
+          <a:prstGeom prst="rect">
+            <a:avLst/>
+          </a:prstGeom>
+          <a:noFill/>
+        </p:spPr>
+        <p:txBody>
+          <a:bodyPr wrap="square" rtlCol="0">
+            <a:spAutoFit/>
+          </a:bodyPr>
+          <a:lstStyle/>
+          <a:p>
+            <a:pPr algn="ctr"/>
+            <a:r>
+              <a:rPr lang="es-ES" sz="900" dirty="0" smtClean="0">
+                <a:latin typeface="Arial" panose="020B0604020202020204" pitchFamily="34" charset="0"/>
+                <a:cs typeface="Arial" panose="020B0604020202020204" pitchFamily="34" charset="0"/>
+              </a:rPr>
+              <a:t>su ecuación es</a:t>
+            </a:r>
+            <a:endParaRPr lang="es-ES" sz="900" dirty="0">
+              <a:latin typeface="Arial" panose="020B0604020202020204" pitchFamily="34" charset="0"/>
+              <a:cs typeface="Arial" panose="020B0604020202020204" pitchFamily="34" charset="0"/>
+            </a:endParaRPr>
+          </a:p>
+        </p:txBody>
+      </p:sp>
+      <p:cxnSp>
+        <p:nvCxnSpPr>
+          <p:cNvPr id="419" name="Conector angular 418"/>
+          <p:cNvCxnSpPr/>
+          <p:nvPr/>
+        </p:nvCxnSpPr>
+        <p:spPr>
+          <a:xfrm rot="16200000" flipV="1">
+            <a:off x="7579739" y="5118871"/>
+            <a:ext cx="95677" cy="579"/>
+          </a:xfrm>
+          <a:prstGeom prst="bentConnector3">
+            <a:avLst>
+              <a:gd name="adj1" fmla="val 50000"/>
+            </a:avLst>
+          </a:prstGeom>
+          <a:ln w="12700">
+            <a:solidFill>
+              <a:schemeClr val="tx1"/>
+            </a:solidFill>
+          </a:ln>
+        </p:spPr>
+        <p:style>
+          <a:lnRef idx="1">
+            <a:schemeClr val="accent1"/>
+          </a:lnRef>
+          <a:fillRef idx="0">
+            <a:schemeClr val="accent1"/>
+          </a:fillRef>
+          <a:effectRef idx="0">
+            <a:schemeClr val="accent1"/>
+          </a:effectRef>
+          <a:fontRef idx="minor">
+            <a:schemeClr val="tx1"/>
+          </a:fontRef>
+        </p:style>
+      </p:cxnSp>
+      <p:pic>
+        <p:nvPicPr>
+          <p:cNvPr id="222" name="Imagen 221"/>
+          <p:cNvPicPr>
+            <a:picLocks noChangeAspect="1"/>
+          </p:cNvPicPr>
+          <p:nvPr/>
+        </p:nvPicPr>
+        <p:blipFill>
+          <a:blip r:embed="rId3" cstate="print">
+            <a:extLst>
+              <a:ext uri="{28A0092B-C50C-407E-A947-70E740481C1C}">
+                <a14:useLocalDpi xmlns:a14="http://schemas.microsoft.com/office/drawing/2010/main" val="0"/>
+              </a:ext>
+            </a:extLst>
+          </a:blip>
+          <a:stretch>
+            <a:fillRect/>
+          </a:stretch>
+        </p:blipFill>
+        <p:spPr>
+          <a:xfrm>
+            <a:off x="7276149" y="5227944"/>
+            <a:ext cx="749543" cy="295107"/>
+          </a:xfrm>
+          <a:prstGeom prst="rect">
+            <a:avLst/>
+          </a:prstGeom>
+        </p:spPr>
+      </p:pic>
+      <p:cxnSp>
+        <p:nvCxnSpPr>
+          <p:cNvPr id="420" name="Conector angular 419"/>
+          <p:cNvCxnSpPr/>
+          <p:nvPr/>
+        </p:nvCxnSpPr>
+        <p:spPr>
+          <a:xfrm rot="16200000" flipV="1">
+            <a:off x="7602792" y="5629014"/>
+            <a:ext cx="95677" cy="579"/>
+          </a:xfrm>
+          <a:prstGeom prst="bentConnector3">
+            <a:avLst>
+              <a:gd name="adj1" fmla="val 50000"/>
+            </a:avLst>
+          </a:prstGeom>
+          <a:ln w="12700">
+            <a:solidFill>
+              <a:schemeClr val="tx1"/>
+            </a:solidFill>
+          </a:ln>
+        </p:spPr>
+        <p:style>
+          <a:lnRef idx="1">
+            <a:schemeClr val="accent1"/>
+          </a:lnRef>
+          <a:fillRef idx="0">
+            <a:schemeClr val="accent1"/>
+          </a:fillRef>
+          <a:effectRef idx="0">
+            <a:schemeClr val="accent1"/>
+          </a:effectRef>
+          <a:fontRef idx="minor">
+            <a:schemeClr val="tx1"/>
+          </a:fontRef>
+        </p:style>
+      </p:cxnSp>
+      <p:cxnSp>
+        <p:nvCxnSpPr>
+          <p:cNvPr id="428" name="Conector angular 427"/>
+          <p:cNvCxnSpPr/>
+          <p:nvPr/>
+        </p:nvCxnSpPr>
+        <p:spPr>
+          <a:xfrm rot="16200000" flipV="1">
+            <a:off x="7598592" y="5905612"/>
+            <a:ext cx="95677" cy="579"/>
+          </a:xfrm>
+          <a:prstGeom prst="bentConnector3">
+            <a:avLst>
+              <a:gd name="adj1" fmla="val -26764"/>
+            </a:avLst>
+          </a:prstGeom>
+          <a:ln w="12700">
+            <a:solidFill>
+              <a:schemeClr val="tx1"/>
+            </a:solidFill>
+          </a:ln>
+        </p:spPr>
+        <p:style>
+          <a:lnRef idx="1">
+            <a:schemeClr val="accent1"/>
+          </a:lnRef>
+          <a:fillRef idx="0">
+            <a:schemeClr val="accent1"/>
+          </a:fillRef>
+          <a:effectRef idx="0">
+            <a:schemeClr val="accent1"/>
+          </a:effectRef>
+          <a:fontRef idx="minor">
+            <a:schemeClr val="tx1"/>
+          </a:fontRef>
+        </p:style>
+      </p:cxnSp>
+      <p:cxnSp>
+        <p:nvCxnSpPr>
+          <p:cNvPr id="429" name="Conector angular 428"/>
+          <p:cNvCxnSpPr/>
+          <p:nvPr/>
+        </p:nvCxnSpPr>
+        <p:spPr>
+          <a:xfrm rot="5400000">
+            <a:off x="7862850" y="1957549"/>
+            <a:ext cx="122926" cy="1"/>
+          </a:xfrm>
+          <a:prstGeom prst="bentConnector3">
+            <a:avLst>
+              <a:gd name="adj1" fmla="val 50000"/>
+            </a:avLst>
+          </a:prstGeom>
+          <a:ln w="12700">
+            <a:solidFill>
+              <a:schemeClr val="tx1"/>
+            </a:solidFill>
+          </a:ln>
+        </p:spPr>
+        <p:style>
+          <a:lnRef idx="1">
+            <a:schemeClr val="accent1"/>
+          </a:lnRef>
+          <a:fillRef idx="0">
+            <a:schemeClr val="accent1"/>
+          </a:fillRef>
+          <a:effectRef idx="0">
+            <a:schemeClr val="accent1"/>
+          </a:effectRef>
+          <a:fontRef idx="minor">
+            <a:schemeClr val="tx1"/>
+          </a:fontRef>
+        </p:style>
+      </p:cxnSp>
+      <p:pic>
+        <p:nvPicPr>
+          <p:cNvPr id="430" name="Imagen 429"/>
+          <p:cNvPicPr>
+            <a:picLocks noChangeAspect="1"/>
+          </p:cNvPicPr>
+          <p:nvPr/>
+        </p:nvPicPr>
+        <p:blipFill>
+          <a:blip r:embed="rId4" cstate="print">
+            <a:extLst>
+              <a:ext uri="{28A0092B-C50C-407E-A947-70E740481C1C}">
+                <a14:useLocalDpi xmlns:a14="http://schemas.microsoft.com/office/drawing/2010/main" val="0"/>
+              </a:ext>
+            </a:extLst>
+          </a:blip>
+          <a:stretch>
+            <a:fillRect/>
+          </a:stretch>
+        </p:blipFill>
+        <p:spPr>
+          <a:xfrm>
+            <a:off x="7131643" y="2719620"/>
+            <a:ext cx="1545627" cy="102516"/>
+          </a:xfrm>
+          <a:prstGeom prst="rect">
+            <a:avLst/>
+          </a:prstGeom>
+        </p:spPr>
+      </p:pic>
     </p:spTree>
     <p:extLst>
       <p:ext uri="{BB962C8B-B14F-4D97-AF65-F5344CB8AC3E}">
